--- a/presentation.pptx
+++ b/presentation.pptx
@@ -5,21 +5,23 @@
     <p:sldMasterId id="2147483648" r:id="rId1"/>
   </p:sldMasterIdLst>
   <p:notesMasterIdLst>
-    <p:notesMasterId r:id="rId14"/>
+    <p:notesMasterId r:id="rId16"/>
   </p:notesMasterIdLst>
   <p:sldIdLst>
     <p:sldId id="256" r:id="rId2"/>
     <p:sldId id="259" r:id="rId3"/>
     <p:sldId id="257" r:id="rId4"/>
-    <p:sldId id="258" r:id="rId5"/>
-    <p:sldId id="266" r:id="rId6"/>
-    <p:sldId id="260" r:id="rId7"/>
-    <p:sldId id="261" r:id="rId8"/>
-    <p:sldId id="264" r:id="rId9"/>
+    <p:sldId id="271" r:id="rId5"/>
+    <p:sldId id="258" r:id="rId6"/>
+    <p:sldId id="266" r:id="rId7"/>
+    <p:sldId id="260" r:id="rId8"/>
+    <p:sldId id="261" r:id="rId9"/>
     <p:sldId id="263" r:id="rId10"/>
     <p:sldId id="265" r:id="rId11"/>
     <p:sldId id="268" r:id="rId12"/>
-    <p:sldId id="267" r:id="rId13"/>
+    <p:sldId id="269" r:id="rId13"/>
+    <p:sldId id="267" r:id="rId14"/>
+    <p:sldId id="272" r:id="rId15"/>
   </p:sldIdLst>
   <p:sldSz cx="12192000" cy="6858000"/>
   <p:notesSz cx="6858000" cy="9144000"/>
@@ -208,7 +210,7 @@
           <a:p>
             <a:fld id="{7649DC41-123D-4CF7-BD6E-2C8A779745C5}" type="datetimeFigureOut">
               <a:rPr lang="en-US" smtClean="0"/>
-              <a:t>5/11/2021</a:t>
+              <a:t>5/12/2021</a:t>
             </a:fld>
             <a:endParaRPr lang="en-US"/>
           </a:p>
@@ -1438,7 +1440,7 @@
           <a:p>
             <a:fld id="{FFF89EC8-A55A-4EC7-9F8A-E654E1D759FD}" type="slidenum">
               <a:rPr lang="en-US" smtClean="0"/>
-              <a:t>6</a:t>
+              <a:t>7</a:t>
             </a:fld>
             <a:endParaRPr lang="en-US"/>
           </a:p>
@@ -2058,7 +2060,7 @@
           <a:p>
             <a:fld id="{F0DB3927-A762-4719-977C-48436E248C01}" type="datetimeFigureOut">
               <a:rPr lang="en-US" smtClean="0"/>
-              <a:t>5/11/2021</a:t>
+              <a:t>5/12/2021</a:t>
             </a:fld>
             <a:endParaRPr lang="en-US"/>
           </a:p>
@@ -2256,7 +2258,7 @@
           <a:p>
             <a:fld id="{F0DB3927-A762-4719-977C-48436E248C01}" type="datetimeFigureOut">
               <a:rPr lang="en-US" smtClean="0"/>
-              <a:t>5/11/2021</a:t>
+              <a:t>5/12/2021</a:t>
             </a:fld>
             <a:endParaRPr lang="en-US"/>
           </a:p>
@@ -2464,7 +2466,7 @@
           <a:p>
             <a:fld id="{F0DB3927-A762-4719-977C-48436E248C01}" type="datetimeFigureOut">
               <a:rPr lang="en-US" smtClean="0"/>
-              <a:t>5/11/2021</a:t>
+              <a:t>5/12/2021</a:t>
             </a:fld>
             <a:endParaRPr lang="en-US"/>
           </a:p>
@@ -2662,7 +2664,7 @@
           <a:p>
             <a:fld id="{F0DB3927-A762-4719-977C-48436E248C01}" type="datetimeFigureOut">
               <a:rPr lang="en-US" smtClean="0"/>
-              <a:t>5/11/2021</a:t>
+              <a:t>5/12/2021</a:t>
             </a:fld>
             <a:endParaRPr lang="en-US"/>
           </a:p>
@@ -2937,7 +2939,7 @@
           <a:p>
             <a:fld id="{F0DB3927-A762-4719-977C-48436E248C01}" type="datetimeFigureOut">
               <a:rPr lang="en-US" smtClean="0"/>
-              <a:t>5/11/2021</a:t>
+              <a:t>5/12/2021</a:t>
             </a:fld>
             <a:endParaRPr lang="en-US"/>
           </a:p>
@@ -3202,7 +3204,7 @@
           <a:p>
             <a:fld id="{F0DB3927-A762-4719-977C-48436E248C01}" type="datetimeFigureOut">
               <a:rPr lang="en-US" smtClean="0"/>
-              <a:t>5/11/2021</a:t>
+              <a:t>5/12/2021</a:t>
             </a:fld>
             <a:endParaRPr lang="en-US"/>
           </a:p>
@@ -3614,7 +3616,7 @@
           <a:p>
             <a:fld id="{F0DB3927-A762-4719-977C-48436E248C01}" type="datetimeFigureOut">
               <a:rPr lang="en-US" smtClean="0"/>
-              <a:t>5/11/2021</a:t>
+              <a:t>5/12/2021</a:t>
             </a:fld>
             <a:endParaRPr lang="en-US"/>
           </a:p>
@@ -3755,7 +3757,7 @@
           <a:p>
             <a:fld id="{F0DB3927-A762-4719-977C-48436E248C01}" type="datetimeFigureOut">
               <a:rPr lang="en-US" smtClean="0"/>
-              <a:t>5/11/2021</a:t>
+              <a:t>5/12/2021</a:t>
             </a:fld>
             <a:endParaRPr lang="en-US"/>
           </a:p>
@@ -3868,7 +3870,7 @@
           <a:p>
             <a:fld id="{F0DB3927-A762-4719-977C-48436E248C01}" type="datetimeFigureOut">
               <a:rPr lang="en-US" smtClean="0"/>
-              <a:t>5/11/2021</a:t>
+              <a:t>5/12/2021</a:t>
             </a:fld>
             <a:endParaRPr lang="en-US"/>
           </a:p>
@@ -4179,7 +4181,7 @@
           <a:p>
             <a:fld id="{F0DB3927-A762-4719-977C-48436E248C01}" type="datetimeFigureOut">
               <a:rPr lang="en-US" smtClean="0"/>
-              <a:t>5/11/2021</a:t>
+              <a:t>5/12/2021</a:t>
             </a:fld>
             <a:endParaRPr lang="en-US"/>
           </a:p>
@@ -4467,7 +4469,7 @@
           <a:p>
             <a:fld id="{F0DB3927-A762-4719-977C-48436E248C01}" type="datetimeFigureOut">
               <a:rPr lang="en-US" smtClean="0"/>
-              <a:t>5/11/2021</a:t>
+              <a:t>5/12/2021</a:t>
             </a:fld>
             <a:endParaRPr lang="en-US"/>
           </a:p>
@@ -4708,7 +4710,7 @@
           <a:p>
             <a:fld id="{F0DB3927-A762-4719-977C-48436E248C01}" type="datetimeFigureOut">
               <a:rPr lang="en-US" smtClean="0"/>
-              <a:t>5/11/2021</a:t>
+              <a:t>5/12/2021</a:t>
             </a:fld>
             <a:endParaRPr lang="en-US"/>
           </a:p>
@@ -6297,10 +6299,152 @@
           <a:bodyPr/>
           <a:lstStyle/>
           <a:p>
+            <a:r>
+              <a:rPr lang="en-US" dirty="0" err="1"/>
+              <a:t>Giả</a:t>
+            </a:r>
+            <a:r>
+              <a:rPr lang="en-US" dirty="0"/>
+              <a:t> </a:t>
+            </a:r>
+            <a:r>
+              <a:rPr lang="en-US" dirty="0" err="1"/>
+              <a:t>sử</a:t>
+            </a:r>
+            <a:r>
+              <a:rPr lang="en-US" dirty="0"/>
+              <a:t>:</a:t>
+            </a:r>
+          </a:p>
+          <a:p>
             <a:endParaRPr lang="en-US" dirty="0"/>
           </a:p>
         </p:txBody>
       </p:sp>
+      <p:pic>
+        <p:nvPicPr>
+          <p:cNvPr id="1030" name="Picture 6" descr="Implementing a Neural Network in Python – Rohan Varma – Software Engineer @  Facebook">
+            <a:extLst>
+              <a:ext uri="{FF2B5EF4-FFF2-40B4-BE49-F238E27FC236}">
+                <a16:creationId xmlns:a16="http://schemas.microsoft.com/office/drawing/2014/main" id="{47707A42-7154-4EE8-9FF8-A9F3D771D6D5}"/>
+              </a:ext>
+            </a:extLst>
+          </p:cNvPr>
+          <p:cNvPicPr>
+            <a:picLocks noChangeAspect="1" noChangeArrowheads="1"/>
+          </p:cNvPicPr>
+          <p:nvPr/>
+        </p:nvPicPr>
+        <p:blipFill>
+          <a:blip r:embed="rId2">
+            <a:extLst>
+              <a:ext uri="{28A0092B-C50C-407E-A947-70E740481C1C}">
+                <a14:useLocalDpi xmlns:a14="http://schemas.microsoft.com/office/drawing/2010/main" val="0"/>
+              </a:ext>
+            </a:extLst>
+          </a:blip>
+          <a:srcRect/>
+          <a:stretch>
+            <a:fillRect/>
+          </a:stretch>
+        </p:blipFill>
+        <p:spPr bwMode="auto">
+          <a:xfrm>
+            <a:off x="838200" y="2796230"/>
+            <a:ext cx="1310196" cy="1319139"/>
+          </a:xfrm>
+          <a:prstGeom prst="rect">
+            <a:avLst/>
+          </a:prstGeom>
+          <a:noFill/>
+          <a:extLst>
+            <a:ext uri="{909E8E84-426E-40DD-AFC4-6F175D3DCCD1}">
+              <a14:hiddenFill xmlns:a14="http://schemas.microsoft.com/office/drawing/2010/main">
+                <a:solidFill>
+                  <a:srgbClr val="FFFFFF"/>
+                </a:solidFill>
+              </a14:hiddenFill>
+            </a:ext>
+          </a:extLst>
+        </p:spPr>
+      </p:pic>
+      <p:pic>
+        <p:nvPicPr>
+          <p:cNvPr id="1032" name="Picture 8">
+            <a:extLst>
+              <a:ext uri="{FF2B5EF4-FFF2-40B4-BE49-F238E27FC236}">
+                <a16:creationId xmlns:a16="http://schemas.microsoft.com/office/drawing/2014/main" id="{12DDC0D1-36BE-483F-B17F-77193A930CEE}"/>
+              </a:ext>
+            </a:extLst>
+          </p:cNvPr>
+          <p:cNvPicPr>
+            <a:picLocks noChangeAspect="1" noChangeArrowheads="1"/>
+          </p:cNvPicPr>
+          <p:nvPr/>
+        </p:nvPicPr>
+        <p:blipFill>
+          <a:blip r:embed="rId3">
+            <a:extLst>
+              <a:ext uri="{28A0092B-C50C-407E-A947-70E740481C1C}">
+                <a14:useLocalDpi xmlns:a14="http://schemas.microsoft.com/office/drawing/2010/main" val="0"/>
+              </a:ext>
+            </a:extLst>
+          </a:blip>
+          <a:srcRect/>
+          <a:stretch>
+            <a:fillRect/>
+          </a:stretch>
+        </p:blipFill>
+        <p:spPr bwMode="auto">
+          <a:xfrm>
+            <a:off x="2296478" y="1690688"/>
+            <a:ext cx="5114925" cy="3962400"/>
+          </a:xfrm>
+          <a:prstGeom prst="rect">
+            <a:avLst/>
+          </a:prstGeom>
+          <a:noFill/>
+          <a:extLst>
+            <a:ext uri="{909E8E84-426E-40DD-AFC4-6F175D3DCCD1}">
+              <a14:hiddenFill xmlns:a14="http://schemas.microsoft.com/office/drawing/2010/main">
+                <a:solidFill>
+                  <a:srgbClr val="FFFFFF"/>
+                </a:solidFill>
+              </a14:hiddenFill>
+            </a:ext>
+          </a:extLst>
+        </p:spPr>
+      </p:pic>
+      <p:pic>
+        <p:nvPicPr>
+          <p:cNvPr id="7" name="Picture 6">
+            <a:extLst>
+              <a:ext uri="{FF2B5EF4-FFF2-40B4-BE49-F238E27FC236}">
+                <a16:creationId xmlns:a16="http://schemas.microsoft.com/office/drawing/2014/main" id="{359F6D6F-1793-4D54-A861-38AEE31EFAD1}"/>
+              </a:ext>
+            </a:extLst>
+          </p:cNvPr>
+          <p:cNvPicPr>
+            <a:picLocks noChangeAspect="1"/>
+          </p:cNvPicPr>
+          <p:nvPr/>
+        </p:nvPicPr>
+        <p:blipFill>
+          <a:blip r:embed="rId4"/>
+          <a:stretch>
+            <a:fillRect/>
+          </a:stretch>
+        </p:blipFill>
+        <p:spPr>
+          <a:xfrm>
+            <a:off x="8869681" y="1365257"/>
+            <a:ext cx="1399998" cy="4419600"/>
+          </a:xfrm>
+          <a:prstGeom prst="rect">
+            <a:avLst/>
+          </a:prstGeom>
+        </p:spPr>
+      </p:pic>
     </p:spTree>
     <p:extLst>
       <p:ext uri="{BB962C8B-B14F-4D97-AF65-F5344CB8AC3E}">
@@ -6315,6 +6459,1607 @@
 </file>
 
 <file path=ppt/slides/slide12.xml><?xml version="1.0" encoding="utf-8"?>
+<p:sld xmlns:a="http://schemas.openxmlformats.org/drawingml/2006/main" xmlns:r="http://schemas.openxmlformats.org/officeDocument/2006/relationships" xmlns:p="http://schemas.openxmlformats.org/presentationml/2006/main">
+  <p:cSld>
+    <p:spTree>
+      <p:nvGrpSpPr>
+        <p:cNvPr id="1" name=""/>
+        <p:cNvGrpSpPr/>
+        <p:nvPr/>
+      </p:nvGrpSpPr>
+      <p:grpSpPr>
+        <a:xfrm>
+          <a:off x="0" y="0"/>
+          <a:ext cx="0" cy="0"/>
+          <a:chOff x="0" y="0"/>
+          <a:chExt cx="0" cy="0"/>
+        </a:xfrm>
+      </p:grpSpPr>
+      <p:sp>
+        <p:nvSpPr>
+          <p:cNvPr id="2" name="Title 1">
+            <a:extLst>
+              <a:ext uri="{FF2B5EF4-FFF2-40B4-BE49-F238E27FC236}">
+                <a16:creationId xmlns:a16="http://schemas.microsoft.com/office/drawing/2014/main" id="{EA1C60A7-FE61-4784-B9C4-9A67DCEEF629}"/>
+              </a:ext>
+            </a:extLst>
+          </p:cNvPr>
+          <p:cNvSpPr>
+            <a:spLocks noGrp="1"/>
+          </p:cNvSpPr>
+          <p:nvPr>
+            <p:ph type="title"/>
+          </p:nvPr>
+        </p:nvSpPr>
+        <p:spPr/>
+        <p:txBody>
+          <a:bodyPr/>
+          <a:lstStyle/>
+          <a:p>
+            <a:r>
+              <a:rPr lang="en-US" u="sng" dirty="0"/>
+              <a:t>Lan </a:t>
+            </a:r>
+            <a:r>
+              <a:rPr lang="en-US" u="sng" dirty="0" err="1"/>
+              <a:t>truyền</a:t>
+            </a:r>
+            <a:r>
+              <a:rPr lang="en-US" u="sng" dirty="0"/>
+              <a:t> </a:t>
+            </a:r>
+            <a:r>
+              <a:rPr lang="en-US" u="sng" dirty="0" err="1"/>
+              <a:t>ngược</a:t>
+            </a:r>
+            <a:endParaRPr lang="en-US" u="sng" dirty="0"/>
+          </a:p>
+        </p:txBody>
+      </p:sp>
+      <p:pic>
+        <p:nvPicPr>
+          <p:cNvPr id="7" name="Picture 6">
+            <a:extLst>
+              <a:ext uri="{FF2B5EF4-FFF2-40B4-BE49-F238E27FC236}">
+                <a16:creationId xmlns:a16="http://schemas.microsoft.com/office/drawing/2014/main" id="{5104E979-C83C-4C20-81C3-C77A4913B230}"/>
+              </a:ext>
+            </a:extLst>
+          </p:cNvPr>
+          <p:cNvPicPr>
+            <a:picLocks noChangeAspect="1"/>
+          </p:cNvPicPr>
+          <p:nvPr/>
+        </p:nvPicPr>
+        <p:blipFill>
+          <a:blip r:embed="rId2"/>
+          <a:stretch>
+            <a:fillRect/>
+          </a:stretch>
+        </p:blipFill>
+        <p:spPr>
+          <a:xfrm>
+            <a:off x="2148396" y="1605841"/>
+            <a:ext cx="1196396" cy="4552950"/>
+          </a:xfrm>
+          <a:prstGeom prst="rect">
+            <a:avLst/>
+          </a:prstGeom>
+        </p:spPr>
+      </p:pic>
+      <p:cxnSp>
+        <p:nvCxnSpPr>
+          <p:cNvPr id="9" name="Straight Arrow Connector 8">
+            <a:extLst>
+              <a:ext uri="{FF2B5EF4-FFF2-40B4-BE49-F238E27FC236}">
+                <a16:creationId xmlns:a16="http://schemas.microsoft.com/office/drawing/2014/main" id="{B9109721-5292-40F8-A9B6-590CBBD82C2D}"/>
+              </a:ext>
+            </a:extLst>
+          </p:cNvPr>
+          <p:cNvCxnSpPr/>
+          <p:nvPr/>
+        </p:nvCxnSpPr>
+        <p:spPr>
+          <a:xfrm>
+            <a:off x="2839720" y="1742440"/>
+            <a:ext cx="0" cy="254000"/>
+          </a:xfrm>
+          <a:prstGeom prst="straightConnector1">
+            <a:avLst/>
+          </a:prstGeom>
+          <a:ln>
+            <a:solidFill>
+              <a:srgbClr val="FF0000"/>
+            </a:solidFill>
+            <a:tailEnd type="triangle"/>
+          </a:ln>
+        </p:spPr>
+        <p:style>
+          <a:lnRef idx="1">
+            <a:schemeClr val="accent2"/>
+          </a:lnRef>
+          <a:fillRef idx="0">
+            <a:schemeClr val="accent2"/>
+          </a:fillRef>
+          <a:effectRef idx="0">
+            <a:schemeClr val="accent2"/>
+          </a:effectRef>
+          <a:fontRef idx="minor">
+            <a:schemeClr val="tx1"/>
+          </a:fontRef>
+        </p:style>
+      </p:cxnSp>
+      <p:cxnSp>
+        <p:nvCxnSpPr>
+          <p:cNvPr id="10" name="Straight Arrow Connector 9">
+            <a:extLst>
+              <a:ext uri="{FF2B5EF4-FFF2-40B4-BE49-F238E27FC236}">
+                <a16:creationId xmlns:a16="http://schemas.microsoft.com/office/drawing/2014/main" id="{1903B028-E4CE-4E0F-AC91-CBDD7BDBA056}"/>
+              </a:ext>
+            </a:extLst>
+          </p:cNvPr>
+          <p:cNvCxnSpPr/>
+          <p:nvPr/>
+        </p:nvCxnSpPr>
+        <p:spPr>
+          <a:xfrm>
+            <a:off x="2839720" y="2184400"/>
+            <a:ext cx="0" cy="254000"/>
+          </a:xfrm>
+          <a:prstGeom prst="straightConnector1">
+            <a:avLst/>
+          </a:prstGeom>
+          <a:ln>
+            <a:solidFill>
+              <a:srgbClr val="FF0000"/>
+            </a:solidFill>
+            <a:tailEnd type="triangle"/>
+          </a:ln>
+        </p:spPr>
+        <p:style>
+          <a:lnRef idx="1">
+            <a:schemeClr val="accent2"/>
+          </a:lnRef>
+          <a:fillRef idx="0">
+            <a:schemeClr val="accent2"/>
+          </a:fillRef>
+          <a:effectRef idx="0">
+            <a:schemeClr val="accent2"/>
+          </a:effectRef>
+          <a:fontRef idx="minor">
+            <a:schemeClr val="tx1"/>
+          </a:fontRef>
+        </p:style>
+      </p:cxnSp>
+      <p:cxnSp>
+        <p:nvCxnSpPr>
+          <p:cNvPr id="11" name="Straight Arrow Connector 10">
+            <a:extLst>
+              <a:ext uri="{FF2B5EF4-FFF2-40B4-BE49-F238E27FC236}">
+                <a16:creationId xmlns:a16="http://schemas.microsoft.com/office/drawing/2014/main" id="{D67109E7-AF78-4578-84ED-84145B0EF72D}"/>
+              </a:ext>
+            </a:extLst>
+          </p:cNvPr>
+          <p:cNvCxnSpPr/>
+          <p:nvPr/>
+        </p:nvCxnSpPr>
+        <p:spPr>
+          <a:xfrm>
+            <a:off x="2839720" y="3048000"/>
+            <a:ext cx="0" cy="254000"/>
+          </a:xfrm>
+          <a:prstGeom prst="straightConnector1">
+            <a:avLst/>
+          </a:prstGeom>
+          <a:ln>
+            <a:solidFill>
+              <a:srgbClr val="FF0000"/>
+            </a:solidFill>
+            <a:tailEnd type="triangle"/>
+          </a:ln>
+        </p:spPr>
+        <p:style>
+          <a:lnRef idx="1">
+            <a:schemeClr val="accent2"/>
+          </a:lnRef>
+          <a:fillRef idx="0">
+            <a:schemeClr val="accent2"/>
+          </a:fillRef>
+          <a:effectRef idx="0">
+            <a:schemeClr val="accent2"/>
+          </a:effectRef>
+          <a:fontRef idx="minor">
+            <a:schemeClr val="tx1"/>
+          </a:fontRef>
+        </p:style>
+      </p:cxnSp>
+      <p:cxnSp>
+        <p:nvCxnSpPr>
+          <p:cNvPr id="12" name="Straight Arrow Connector 11">
+            <a:extLst>
+              <a:ext uri="{FF2B5EF4-FFF2-40B4-BE49-F238E27FC236}">
+                <a16:creationId xmlns:a16="http://schemas.microsoft.com/office/drawing/2014/main" id="{5E7A1BEF-9679-48E7-A882-8E83923EAAE2}"/>
+              </a:ext>
+            </a:extLst>
+          </p:cNvPr>
+          <p:cNvCxnSpPr/>
+          <p:nvPr/>
+        </p:nvCxnSpPr>
+        <p:spPr>
+          <a:xfrm>
+            <a:off x="2839720" y="3489960"/>
+            <a:ext cx="0" cy="254000"/>
+          </a:xfrm>
+          <a:prstGeom prst="straightConnector1">
+            <a:avLst/>
+          </a:prstGeom>
+          <a:ln>
+            <a:solidFill>
+              <a:srgbClr val="FF0000"/>
+            </a:solidFill>
+            <a:tailEnd type="triangle"/>
+          </a:ln>
+        </p:spPr>
+        <p:style>
+          <a:lnRef idx="1">
+            <a:schemeClr val="accent2"/>
+          </a:lnRef>
+          <a:fillRef idx="0">
+            <a:schemeClr val="accent2"/>
+          </a:fillRef>
+          <a:effectRef idx="0">
+            <a:schemeClr val="accent2"/>
+          </a:effectRef>
+          <a:fontRef idx="minor">
+            <a:schemeClr val="tx1"/>
+          </a:fontRef>
+        </p:style>
+      </p:cxnSp>
+      <p:cxnSp>
+        <p:nvCxnSpPr>
+          <p:cNvPr id="13" name="Straight Arrow Connector 12">
+            <a:extLst>
+              <a:ext uri="{FF2B5EF4-FFF2-40B4-BE49-F238E27FC236}">
+                <a16:creationId xmlns:a16="http://schemas.microsoft.com/office/drawing/2014/main" id="{51C18553-B799-4E28-83E1-88DC5D0286C2}"/>
+              </a:ext>
+            </a:extLst>
+          </p:cNvPr>
+          <p:cNvCxnSpPr/>
+          <p:nvPr/>
+        </p:nvCxnSpPr>
+        <p:spPr>
+          <a:xfrm>
+            <a:off x="2839720" y="3926840"/>
+            <a:ext cx="0" cy="254000"/>
+          </a:xfrm>
+          <a:prstGeom prst="straightConnector1">
+            <a:avLst/>
+          </a:prstGeom>
+          <a:ln>
+            <a:solidFill>
+              <a:srgbClr val="FF0000"/>
+            </a:solidFill>
+            <a:tailEnd type="triangle"/>
+          </a:ln>
+        </p:spPr>
+        <p:style>
+          <a:lnRef idx="1">
+            <a:schemeClr val="accent2"/>
+          </a:lnRef>
+          <a:fillRef idx="0">
+            <a:schemeClr val="accent2"/>
+          </a:fillRef>
+          <a:effectRef idx="0">
+            <a:schemeClr val="accent2"/>
+          </a:effectRef>
+          <a:fontRef idx="minor">
+            <a:schemeClr val="tx1"/>
+          </a:fontRef>
+        </p:style>
+      </p:cxnSp>
+      <p:cxnSp>
+        <p:nvCxnSpPr>
+          <p:cNvPr id="14" name="Straight Arrow Connector 13">
+            <a:extLst>
+              <a:ext uri="{FF2B5EF4-FFF2-40B4-BE49-F238E27FC236}">
+                <a16:creationId xmlns:a16="http://schemas.microsoft.com/office/drawing/2014/main" id="{C3B5ED97-859D-4521-BD8E-9580CB341BA7}"/>
+              </a:ext>
+            </a:extLst>
+          </p:cNvPr>
+          <p:cNvCxnSpPr/>
+          <p:nvPr/>
+        </p:nvCxnSpPr>
+        <p:spPr>
+          <a:xfrm>
+            <a:off x="2839720" y="4368800"/>
+            <a:ext cx="0" cy="254000"/>
+          </a:xfrm>
+          <a:prstGeom prst="straightConnector1">
+            <a:avLst/>
+          </a:prstGeom>
+          <a:ln>
+            <a:solidFill>
+              <a:srgbClr val="FF0000"/>
+            </a:solidFill>
+            <a:tailEnd type="triangle"/>
+          </a:ln>
+        </p:spPr>
+        <p:style>
+          <a:lnRef idx="1">
+            <a:schemeClr val="accent2"/>
+          </a:lnRef>
+          <a:fillRef idx="0">
+            <a:schemeClr val="accent2"/>
+          </a:fillRef>
+          <a:effectRef idx="0">
+            <a:schemeClr val="accent2"/>
+          </a:effectRef>
+          <a:fontRef idx="minor">
+            <a:schemeClr val="tx1"/>
+          </a:fontRef>
+        </p:style>
+      </p:cxnSp>
+      <p:cxnSp>
+        <p:nvCxnSpPr>
+          <p:cNvPr id="15" name="Straight Arrow Connector 14">
+            <a:extLst>
+              <a:ext uri="{FF2B5EF4-FFF2-40B4-BE49-F238E27FC236}">
+                <a16:creationId xmlns:a16="http://schemas.microsoft.com/office/drawing/2014/main" id="{DA1E18CE-5837-4442-A5AE-240A73CDC17B}"/>
+              </a:ext>
+            </a:extLst>
+          </p:cNvPr>
+          <p:cNvCxnSpPr/>
+          <p:nvPr/>
+        </p:nvCxnSpPr>
+        <p:spPr>
+          <a:xfrm>
+            <a:off x="2856096" y="4801616"/>
+            <a:ext cx="0" cy="254000"/>
+          </a:xfrm>
+          <a:prstGeom prst="straightConnector1">
+            <a:avLst/>
+          </a:prstGeom>
+          <a:ln>
+            <a:solidFill>
+              <a:srgbClr val="FF0000"/>
+            </a:solidFill>
+            <a:tailEnd type="triangle"/>
+          </a:ln>
+        </p:spPr>
+        <p:style>
+          <a:lnRef idx="1">
+            <a:schemeClr val="accent2"/>
+          </a:lnRef>
+          <a:fillRef idx="0">
+            <a:schemeClr val="accent2"/>
+          </a:fillRef>
+          <a:effectRef idx="0">
+            <a:schemeClr val="accent2"/>
+          </a:effectRef>
+          <a:fontRef idx="minor">
+            <a:schemeClr val="tx1"/>
+          </a:fontRef>
+        </p:style>
+      </p:cxnSp>
+      <p:cxnSp>
+        <p:nvCxnSpPr>
+          <p:cNvPr id="16" name="Straight Arrow Connector 15">
+            <a:extLst>
+              <a:ext uri="{FF2B5EF4-FFF2-40B4-BE49-F238E27FC236}">
+                <a16:creationId xmlns:a16="http://schemas.microsoft.com/office/drawing/2014/main" id="{7DB3075D-F07A-470C-B8D1-9695D4843EA0}"/>
+              </a:ext>
+            </a:extLst>
+          </p:cNvPr>
+          <p:cNvCxnSpPr/>
+          <p:nvPr/>
+        </p:nvCxnSpPr>
+        <p:spPr>
+          <a:xfrm>
+            <a:off x="2839720" y="5253736"/>
+            <a:ext cx="0" cy="254000"/>
+          </a:xfrm>
+          <a:prstGeom prst="straightConnector1">
+            <a:avLst/>
+          </a:prstGeom>
+          <a:ln>
+            <a:solidFill>
+              <a:srgbClr val="FF0000"/>
+            </a:solidFill>
+            <a:tailEnd type="triangle"/>
+          </a:ln>
+        </p:spPr>
+        <p:style>
+          <a:lnRef idx="1">
+            <a:schemeClr val="accent2"/>
+          </a:lnRef>
+          <a:fillRef idx="0">
+            <a:schemeClr val="accent2"/>
+          </a:fillRef>
+          <a:effectRef idx="0">
+            <a:schemeClr val="accent2"/>
+          </a:effectRef>
+          <a:fontRef idx="minor">
+            <a:schemeClr val="tx1"/>
+          </a:fontRef>
+        </p:style>
+      </p:cxnSp>
+      <p:cxnSp>
+        <p:nvCxnSpPr>
+          <p:cNvPr id="17" name="Straight Arrow Connector 16">
+            <a:extLst>
+              <a:ext uri="{FF2B5EF4-FFF2-40B4-BE49-F238E27FC236}">
+                <a16:creationId xmlns:a16="http://schemas.microsoft.com/office/drawing/2014/main" id="{0F87F2F5-97E6-447A-BEF7-CAFD0F6DFE75}"/>
+              </a:ext>
+            </a:extLst>
+          </p:cNvPr>
+          <p:cNvCxnSpPr/>
+          <p:nvPr/>
+        </p:nvCxnSpPr>
+        <p:spPr>
+          <a:xfrm>
+            <a:off x="2839720" y="5710936"/>
+            <a:ext cx="0" cy="254000"/>
+          </a:xfrm>
+          <a:prstGeom prst="straightConnector1">
+            <a:avLst/>
+          </a:prstGeom>
+          <a:ln>
+            <a:solidFill>
+              <a:srgbClr val="FF0000"/>
+            </a:solidFill>
+            <a:tailEnd type="triangle"/>
+          </a:ln>
+        </p:spPr>
+        <p:style>
+          <a:lnRef idx="1">
+            <a:schemeClr val="accent2"/>
+          </a:lnRef>
+          <a:fillRef idx="0">
+            <a:schemeClr val="accent2"/>
+          </a:fillRef>
+          <a:effectRef idx="0">
+            <a:schemeClr val="accent2"/>
+          </a:effectRef>
+          <a:fontRef idx="minor">
+            <a:schemeClr val="tx1"/>
+          </a:fontRef>
+        </p:style>
+      </p:cxnSp>
+      <p:cxnSp>
+        <p:nvCxnSpPr>
+          <p:cNvPr id="19" name="Straight Arrow Connector 18">
+            <a:extLst>
+              <a:ext uri="{FF2B5EF4-FFF2-40B4-BE49-F238E27FC236}">
+                <a16:creationId xmlns:a16="http://schemas.microsoft.com/office/drawing/2014/main" id="{0209CF2A-ED25-4156-AB74-BEA5E2646F9B}"/>
+              </a:ext>
+            </a:extLst>
+          </p:cNvPr>
+          <p:cNvCxnSpPr>
+            <a:cxnSpLocks/>
+          </p:cNvCxnSpPr>
+          <p:nvPr/>
+        </p:nvCxnSpPr>
+        <p:spPr>
+          <a:xfrm flipV="1">
+            <a:off x="2856096" y="2566416"/>
+            <a:ext cx="0" cy="286512"/>
+          </a:xfrm>
+          <a:prstGeom prst="straightConnector1">
+            <a:avLst/>
+          </a:prstGeom>
+          <a:ln>
+            <a:solidFill>
+              <a:schemeClr val="accent6">
+                <a:lumMod val="60000"/>
+                <a:lumOff val="40000"/>
+              </a:schemeClr>
+            </a:solidFill>
+            <a:tailEnd type="triangle"/>
+          </a:ln>
+        </p:spPr>
+        <p:style>
+          <a:lnRef idx="1">
+            <a:schemeClr val="accent1"/>
+          </a:lnRef>
+          <a:fillRef idx="0">
+            <a:schemeClr val="accent1"/>
+          </a:fillRef>
+          <a:effectRef idx="0">
+            <a:schemeClr val="accent1"/>
+          </a:effectRef>
+          <a:fontRef idx="minor">
+            <a:schemeClr val="tx1"/>
+          </a:fontRef>
+        </p:style>
+      </p:cxnSp>
+      <p:pic>
+        <p:nvPicPr>
+          <p:cNvPr id="22" name="Picture 21">
+            <a:extLst>
+              <a:ext uri="{FF2B5EF4-FFF2-40B4-BE49-F238E27FC236}">
+                <a16:creationId xmlns:a16="http://schemas.microsoft.com/office/drawing/2014/main" id="{A90D65DB-2FA8-4B49-AA5D-254F07BD2987}"/>
+              </a:ext>
+            </a:extLst>
+          </p:cNvPr>
+          <p:cNvPicPr>
+            <a:picLocks noChangeAspect="1"/>
+          </p:cNvPicPr>
+          <p:nvPr/>
+        </p:nvPicPr>
+        <p:blipFill>
+          <a:blip r:embed="rId3"/>
+          <a:stretch>
+            <a:fillRect/>
+          </a:stretch>
+        </p:blipFill>
+        <p:spPr>
+          <a:xfrm>
+            <a:off x="4797754" y="1605841"/>
+            <a:ext cx="1263150" cy="4593272"/>
+          </a:xfrm>
+          <a:prstGeom prst="rect">
+            <a:avLst/>
+          </a:prstGeom>
+        </p:spPr>
+      </p:pic>
+      <p:sp>
+        <p:nvSpPr>
+          <p:cNvPr id="23" name="Arrow: Right 22">
+            <a:extLst>
+              <a:ext uri="{FF2B5EF4-FFF2-40B4-BE49-F238E27FC236}">
+                <a16:creationId xmlns:a16="http://schemas.microsoft.com/office/drawing/2014/main" id="{B6456EFC-FE8F-43D4-A4AD-C4F6BF75FB94}"/>
+              </a:ext>
+            </a:extLst>
+          </p:cNvPr>
+          <p:cNvSpPr/>
+          <p:nvPr/>
+        </p:nvSpPr>
+        <p:spPr>
+          <a:xfrm>
+            <a:off x="3480047" y="3175000"/>
+            <a:ext cx="1196396" cy="751840"/>
+          </a:xfrm>
+          <a:prstGeom prst="rightArrow">
+            <a:avLst/>
+          </a:prstGeom>
+          <a:noFill/>
+          <a:ln w="9525" cap="flat" cmpd="sng" algn="ctr">
+            <a:solidFill>
+              <a:schemeClr val="dk1"/>
+            </a:solidFill>
+            <a:prstDash val="solid"/>
+            <a:round/>
+            <a:headEnd type="none" w="med" len="med"/>
+            <a:tailEnd type="none" w="med" len="med"/>
+          </a:ln>
+        </p:spPr>
+        <p:style>
+          <a:lnRef idx="0">
+            <a:scrgbClr r="0" g="0" b="0"/>
+          </a:lnRef>
+          <a:fillRef idx="0">
+            <a:scrgbClr r="0" g="0" b="0"/>
+          </a:fillRef>
+          <a:effectRef idx="0">
+            <a:scrgbClr r="0" g="0" b="0"/>
+          </a:effectRef>
+          <a:fontRef idx="minor">
+            <a:schemeClr val="dk1"/>
+          </a:fontRef>
+        </p:style>
+        <p:txBody>
+          <a:bodyPr rtlCol="0" anchor="ctr"/>
+          <a:lstStyle/>
+          <a:p>
+            <a:pPr algn="ctr"/>
+            <a:endParaRPr lang="en-US"/>
+          </a:p>
+        </p:txBody>
+      </p:sp>
+      <p:sp>
+        <p:nvSpPr>
+          <p:cNvPr id="18" name="Content Placeholder 2">
+            <a:extLst>
+              <a:ext uri="{FF2B5EF4-FFF2-40B4-BE49-F238E27FC236}">
+                <a16:creationId xmlns:a16="http://schemas.microsoft.com/office/drawing/2014/main" id="{2CD64AA0-6F5B-4936-89EC-84D556EB6EB0}"/>
+              </a:ext>
+            </a:extLst>
+          </p:cNvPr>
+          <p:cNvSpPr>
+            <a:spLocks noGrp="1"/>
+          </p:cNvSpPr>
+          <p:nvPr>
+            <p:ph idx="1"/>
+          </p:nvPr>
+        </p:nvSpPr>
+        <p:spPr>
+          <a:xfrm>
+            <a:off x="6368988" y="1747838"/>
+            <a:ext cx="5367290" cy="2620962"/>
+          </a:xfrm>
+        </p:spPr>
+        <p:txBody>
+          <a:bodyPr>
+            <a:normAutofit/>
+          </a:bodyPr>
+          <a:lstStyle/>
+          <a:p>
+            <a:pPr marL="0" indent="0">
+              <a:buNone/>
+            </a:pPr>
+            <a:r>
+              <a:rPr lang="en-US" sz="1800" dirty="0"/>
+              <a:t>Node </a:t>
+            </a:r>
+            <a:r>
+              <a:rPr lang="en-US" sz="1800" dirty="0" err="1"/>
+              <a:t>số</a:t>
+            </a:r>
+            <a:r>
+              <a:rPr lang="en-US" sz="1800" dirty="0"/>
+              <a:t> 2 </a:t>
+            </a:r>
+            <a:r>
+              <a:rPr lang="en-US" sz="1800" dirty="0" err="1"/>
+              <a:t>này</a:t>
+            </a:r>
+            <a:r>
+              <a:rPr lang="en-US" sz="1800" dirty="0"/>
+              <a:t> </a:t>
+            </a:r>
+            <a:r>
+              <a:rPr lang="en-US" sz="1800" dirty="0" err="1"/>
+              <a:t>có</a:t>
+            </a:r>
+            <a:r>
+              <a:rPr lang="en-US" sz="1800" dirty="0"/>
+              <a:t> </a:t>
+            </a:r>
+            <a:r>
+              <a:rPr lang="en-US" sz="1800" dirty="0" err="1"/>
+              <a:t>tỉ</a:t>
+            </a:r>
+            <a:r>
+              <a:rPr lang="en-US" sz="1800" dirty="0"/>
+              <a:t> </a:t>
+            </a:r>
+            <a:r>
+              <a:rPr lang="en-US" sz="1800" dirty="0" err="1"/>
+              <a:t>lệ</a:t>
+            </a:r>
+            <a:r>
+              <a:rPr lang="en-US" sz="1800" dirty="0"/>
+              <a:t> </a:t>
+            </a:r>
+            <a:r>
+              <a:rPr lang="en-US" sz="1800" dirty="0" err="1"/>
+              <a:t>là</a:t>
+            </a:r>
+            <a:r>
+              <a:rPr lang="en-US" sz="1800" dirty="0"/>
+              <a:t> 0.2.</a:t>
+            </a:r>
+          </a:p>
+          <a:p>
+            <a:pPr marL="0" indent="0">
+              <a:buNone/>
+            </a:pPr>
+            <a:r>
+              <a:rPr lang="en-US" sz="1800" dirty="0" err="1"/>
+              <a:t>Chúng</a:t>
+            </a:r>
+            <a:r>
+              <a:rPr lang="en-US" sz="1800" dirty="0"/>
+              <a:t> ta </a:t>
+            </a:r>
+            <a:r>
+              <a:rPr lang="en-US" sz="1800" dirty="0" err="1"/>
+              <a:t>có</a:t>
+            </a:r>
+            <a:r>
+              <a:rPr lang="en-US" sz="1800" dirty="0"/>
+              <a:t> </a:t>
+            </a:r>
+            <a:r>
+              <a:rPr lang="en-US" sz="1800" dirty="0" err="1"/>
+              <a:t>thể</a:t>
+            </a:r>
+            <a:r>
+              <a:rPr lang="en-US" sz="1800" dirty="0"/>
+              <a:t> </a:t>
+            </a:r>
+            <a:r>
+              <a:rPr lang="en-US" sz="1800" dirty="0" err="1"/>
+              <a:t>thay</a:t>
+            </a:r>
+            <a:r>
+              <a:rPr lang="en-US" sz="1800" dirty="0"/>
+              <a:t> </a:t>
+            </a:r>
+            <a:r>
+              <a:rPr lang="en-US" sz="1800" dirty="0" err="1"/>
+              <a:t>đổi</a:t>
+            </a:r>
+            <a:r>
+              <a:rPr lang="en-US" sz="1800" dirty="0"/>
+              <a:t> </a:t>
+            </a:r>
+            <a:r>
+              <a:rPr lang="en-US" sz="1800" dirty="0" err="1"/>
+              <a:t>bằng</a:t>
+            </a:r>
+            <a:r>
+              <a:rPr lang="en-US" sz="1800" dirty="0"/>
+              <a:t> </a:t>
+            </a:r>
+            <a:r>
+              <a:rPr lang="en-US" sz="1800" dirty="0" err="1"/>
+              <a:t>cách</a:t>
+            </a:r>
+            <a:r>
+              <a:rPr lang="en-US" sz="1800" dirty="0"/>
+              <a:t>:</a:t>
+            </a:r>
+          </a:p>
+          <a:p>
+            <a:pPr marL="0" indent="0">
+              <a:buNone/>
+            </a:pPr>
+            <a:r>
+              <a:rPr lang="en-US" sz="1800" dirty="0"/>
+              <a:t>	+ </a:t>
+            </a:r>
+            <a:r>
+              <a:rPr lang="en-US" sz="1800" dirty="0" err="1"/>
+              <a:t>Cộng</a:t>
+            </a:r>
+            <a:r>
+              <a:rPr lang="en-US" sz="1800" dirty="0"/>
+              <a:t> </a:t>
+            </a:r>
+            <a:r>
+              <a:rPr lang="en-US" sz="1800" dirty="0" err="1"/>
+              <a:t>cho</a:t>
+            </a:r>
+            <a:r>
+              <a:rPr lang="en-US" sz="1800" dirty="0"/>
+              <a:t> </a:t>
+            </a:r>
+            <a:r>
+              <a:rPr lang="en-US" sz="1800" dirty="0" err="1"/>
+              <a:t>một</a:t>
+            </a:r>
+            <a:r>
+              <a:rPr lang="en-US" sz="1800" dirty="0"/>
+              <a:t> bias</a:t>
+            </a:r>
+          </a:p>
+          <a:p>
+            <a:pPr marL="0" indent="0">
+              <a:buNone/>
+            </a:pPr>
+            <a:r>
+              <a:rPr lang="en-US" sz="1800" dirty="0"/>
+              <a:t>	+ </a:t>
+            </a:r>
+            <a:r>
+              <a:rPr lang="en-US" sz="1800" dirty="0" err="1"/>
+              <a:t>Tăng</a:t>
+            </a:r>
+            <a:r>
+              <a:rPr lang="en-US" sz="1800" dirty="0"/>
+              <a:t> </a:t>
+            </a:r>
+            <a:r>
+              <a:rPr lang="en-US" sz="1800" dirty="0" err="1"/>
+              <a:t>trọng</a:t>
+            </a:r>
+            <a:r>
+              <a:rPr lang="en-US" sz="1800" dirty="0"/>
+              <a:t> </a:t>
+            </a:r>
+            <a:r>
+              <a:rPr lang="en-US" sz="1800" dirty="0" err="1"/>
+              <a:t>số</a:t>
+            </a:r>
+            <a:r>
+              <a:rPr lang="en-US" sz="1800" dirty="0"/>
+              <a:t> </a:t>
+            </a:r>
+          </a:p>
+          <a:p>
+            <a:pPr marL="0" indent="0">
+              <a:buNone/>
+            </a:pPr>
+            <a:r>
+              <a:rPr lang="en-US" sz="1800" dirty="0"/>
+              <a:t>	+ </a:t>
+            </a:r>
+            <a:r>
+              <a:rPr lang="en-US" sz="1800" dirty="0" err="1"/>
+              <a:t>Thay</a:t>
+            </a:r>
+            <a:r>
+              <a:rPr lang="en-US" sz="1800" dirty="0"/>
+              <a:t> </a:t>
+            </a:r>
+            <a:r>
+              <a:rPr lang="en-US" sz="1800" dirty="0" err="1"/>
+              <a:t>đổi</a:t>
+            </a:r>
+            <a:r>
+              <a:rPr lang="en-US" sz="1800" dirty="0"/>
+              <a:t> activation </a:t>
+            </a:r>
+            <a:r>
+              <a:rPr lang="en-US" sz="1800" dirty="0" err="1"/>
+              <a:t>từ</a:t>
+            </a:r>
+            <a:r>
+              <a:rPr lang="en-US" sz="1800" dirty="0"/>
+              <a:t> layer </a:t>
+            </a:r>
+            <a:r>
+              <a:rPr lang="en-US" sz="1800" dirty="0" err="1"/>
+              <a:t>trước</a:t>
+            </a:r>
+            <a:r>
+              <a:rPr lang="en-US" sz="1800" dirty="0"/>
+              <a:t> </a:t>
+            </a:r>
+            <a:r>
+              <a:rPr lang="en-US" sz="1800" dirty="0" err="1"/>
+              <a:t>đó</a:t>
+            </a:r>
+            <a:r>
+              <a:rPr lang="en-US" sz="1800" dirty="0"/>
+              <a:t>.</a:t>
+            </a:r>
+          </a:p>
+        </p:txBody>
+      </p:sp>
+    </p:spTree>
+    <p:extLst>
+      <p:ext uri="{BB962C8B-B14F-4D97-AF65-F5344CB8AC3E}">
+        <p14:creationId xmlns:p14="http://schemas.microsoft.com/office/powerpoint/2010/main" val="467281392"/>
+      </p:ext>
+    </p:extLst>
+  </p:cSld>
+  <p:clrMapOvr>
+    <a:masterClrMapping/>
+  </p:clrMapOvr>
+  <p:timing>
+    <p:tnLst>
+      <p:par>
+        <p:cTn id="1" dur="indefinite" restart="never" nodeType="tmRoot">
+          <p:childTnLst>
+            <p:seq concurrent="1" nextAc="seek">
+              <p:cTn id="2" dur="indefinite" nodeType="mainSeq">
+                <p:childTnLst>
+                  <p:par>
+                    <p:cTn id="3" fill="hold">
+                      <p:stCondLst>
+                        <p:cond delay="indefinite"/>
+                      </p:stCondLst>
+                      <p:childTnLst>
+                        <p:par>
+                          <p:cTn id="4" fill="hold">
+                            <p:stCondLst>
+                              <p:cond delay="0"/>
+                            </p:stCondLst>
+                            <p:childTnLst>
+                              <p:par>
+                                <p:cTn id="5" presetID="10" presetClass="entr" presetSubtype="0" fill="hold" nodeType="clickEffect">
+                                  <p:stCondLst>
+                                    <p:cond delay="0"/>
+                                  </p:stCondLst>
+                                  <p:childTnLst>
+                                    <p:set>
+                                      <p:cBhvr>
+                                        <p:cTn id="6" dur="1" fill="hold">
+                                          <p:stCondLst>
+                                            <p:cond delay="0"/>
+                                          </p:stCondLst>
+                                        </p:cTn>
+                                        <p:tgtEl>
+                                          <p:spTgt spid="9"/>
+                                        </p:tgtEl>
+                                        <p:attrNameLst>
+                                          <p:attrName>style.visibility</p:attrName>
+                                        </p:attrNameLst>
+                                      </p:cBhvr>
+                                      <p:to>
+                                        <p:strVal val="visible"/>
+                                      </p:to>
+                                    </p:set>
+                                    <p:animEffect transition="in" filter="fade">
+                                      <p:cBhvr>
+                                        <p:cTn id="7" dur="500"/>
+                                        <p:tgtEl>
+                                          <p:spTgt spid="9"/>
+                                        </p:tgtEl>
+                                      </p:cBhvr>
+                                    </p:animEffect>
+                                  </p:childTnLst>
+                                </p:cTn>
+                              </p:par>
+                              <p:par>
+                                <p:cTn id="8" presetID="10" presetClass="entr" presetSubtype="0" fill="hold" nodeType="withEffect">
+                                  <p:stCondLst>
+                                    <p:cond delay="0"/>
+                                  </p:stCondLst>
+                                  <p:childTnLst>
+                                    <p:set>
+                                      <p:cBhvr>
+                                        <p:cTn id="9" dur="1" fill="hold">
+                                          <p:stCondLst>
+                                            <p:cond delay="0"/>
+                                          </p:stCondLst>
+                                        </p:cTn>
+                                        <p:tgtEl>
+                                          <p:spTgt spid="10"/>
+                                        </p:tgtEl>
+                                        <p:attrNameLst>
+                                          <p:attrName>style.visibility</p:attrName>
+                                        </p:attrNameLst>
+                                      </p:cBhvr>
+                                      <p:to>
+                                        <p:strVal val="visible"/>
+                                      </p:to>
+                                    </p:set>
+                                    <p:animEffect transition="in" filter="fade">
+                                      <p:cBhvr>
+                                        <p:cTn id="10" dur="500"/>
+                                        <p:tgtEl>
+                                          <p:spTgt spid="10"/>
+                                        </p:tgtEl>
+                                      </p:cBhvr>
+                                    </p:animEffect>
+                                  </p:childTnLst>
+                                </p:cTn>
+                              </p:par>
+                              <p:par>
+                                <p:cTn id="11" presetID="10" presetClass="entr" presetSubtype="0" fill="hold" nodeType="withEffect">
+                                  <p:stCondLst>
+                                    <p:cond delay="0"/>
+                                  </p:stCondLst>
+                                  <p:childTnLst>
+                                    <p:set>
+                                      <p:cBhvr>
+                                        <p:cTn id="12" dur="1" fill="hold">
+                                          <p:stCondLst>
+                                            <p:cond delay="0"/>
+                                          </p:stCondLst>
+                                        </p:cTn>
+                                        <p:tgtEl>
+                                          <p:spTgt spid="11"/>
+                                        </p:tgtEl>
+                                        <p:attrNameLst>
+                                          <p:attrName>style.visibility</p:attrName>
+                                        </p:attrNameLst>
+                                      </p:cBhvr>
+                                      <p:to>
+                                        <p:strVal val="visible"/>
+                                      </p:to>
+                                    </p:set>
+                                    <p:animEffect transition="in" filter="fade">
+                                      <p:cBhvr>
+                                        <p:cTn id="13" dur="500"/>
+                                        <p:tgtEl>
+                                          <p:spTgt spid="11"/>
+                                        </p:tgtEl>
+                                      </p:cBhvr>
+                                    </p:animEffect>
+                                  </p:childTnLst>
+                                </p:cTn>
+                              </p:par>
+                              <p:par>
+                                <p:cTn id="14" presetID="10" presetClass="entr" presetSubtype="0" fill="hold" nodeType="withEffect">
+                                  <p:stCondLst>
+                                    <p:cond delay="0"/>
+                                  </p:stCondLst>
+                                  <p:childTnLst>
+                                    <p:set>
+                                      <p:cBhvr>
+                                        <p:cTn id="15" dur="1" fill="hold">
+                                          <p:stCondLst>
+                                            <p:cond delay="0"/>
+                                          </p:stCondLst>
+                                        </p:cTn>
+                                        <p:tgtEl>
+                                          <p:spTgt spid="12"/>
+                                        </p:tgtEl>
+                                        <p:attrNameLst>
+                                          <p:attrName>style.visibility</p:attrName>
+                                        </p:attrNameLst>
+                                      </p:cBhvr>
+                                      <p:to>
+                                        <p:strVal val="visible"/>
+                                      </p:to>
+                                    </p:set>
+                                    <p:animEffect transition="in" filter="fade">
+                                      <p:cBhvr>
+                                        <p:cTn id="16" dur="500"/>
+                                        <p:tgtEl>
+                                          <p:spTgt spid="12"/>
+                                        </p:tgtEl>
+                                      </p:cBhvr>
+                                    </p:animEffect>
+                                  </p:childTnLst>
+                                </p:cTn>
+                              </p:par>
+                              <p:par>
+                                <p:cTn id="17" presetID="10" presetClass="entr" presetSubtype="0" fill="hold" nodeType="withEffect">
+                                  <p:stCondLst>
+                                    <p:cond delay="0"/>
+                                  </p:stCondLst>
+                                  <p:childTnLst>
+                                    <p:set>
+                                      <p:cBhvr>
+                                        <p:cTn id="18" dur="1" fill="hold">
+                                          <p:stCondLst>
+                                            <p:cond delay="0"/>
+                                          </p:stCondLst>
+                                        </p:cTn>
+                                        <p:tgtEl>
+                                          <p:spTgt spid="13"/>
+                                        </p:tgtEl>
+                                        <p:attrNameLst>
+                                          <p:attrName>style.visibility</p:attrName>
+                                        </p:attrNameLst>
+                                      </p:cBhvr>
+                                      <p:to>
+                                        <p:strVal val="visible"/>
+                                      </p:to>
+                                    </p:set>
+                                    <p:animEffect transition="in" filter="fade">
+                                      <p:cBhvr>
+                                        <p:cTn id="19" dur="500"/>
+                                        <p:tgtEl>
+                                          <p:spTgt spid="13"/>
+                                        </p:tgtEl>
+                                      </p:cBhvr>
+                                    </p:animEffect>
+                                  </p:childTnLst>
+                                </p:cTn>
+                              </p:par>
+                              <p:par>
+                                <p:cTn id="20" presetID="10" presetClass="entr" presetSubtype="0" fill="hold" nodeType="withEffect">
+                                  <p:stCondLst>
+                                    <p:cond delay="0"/>
+                                  </p:stCondLst>
+                                  <p:childTnLst>
+                                    <p:set>
+                                      <p:cBhvr>
+                                        <p:cTn id="21" dur="1" fill="hold">
+                                          <p:stCondLst>
+                                            <p:cond delay="0"/>
+                                          </p:stCondLst>
+                                        </p:cTn>
+                                        <p:tgtEl>
+                                          <p:spTgt spid="14"/>
+                                        </p:tgtEl>
+                                        <p:attrNameLst>
+                                          <p:attrName>style.visibility</p:attrName>
+                                        </p:attrNameLst>
+                                      </p:cBhvr>
+                                      <p:to>
+                                        <p:strVal val="visible"/>
+                                      </p:to>
+                                    </p:set>
+                                    <p:animEffect transition="in" filter="fade">
+                                      <p:cBhvr>
+                                        <p:cTn id="22" dur="500"/>
+                                        <p:tgtEl>
+                                          <p:spTgt spid="14"/>
+                                        </p:tgtEl>
+                                      </p:cBhvr>
+                                    </p:animEffect>
+                                  </p:childTnLst>
+                                </p:cTn>
+                              </p:par>
+                              <p:par>
+                                <p:cTn id="23" presetID="10" presetClass="entr" presetSubtype="0" fill="hold" nodeType="withEffect">
+                                  <p:stCondLst>
+                                    <p:cond delay="0"/>
+                                  </p:stCondLst>
+                                  <p:childTnLst>
+                                    <p:set>
+                                      <p:cBhvr>
+                                        <p:cTn id="24" dur="1" fill="hold">
+                                          <p:stCondLst>
+                                            <p:cond delay="0"/>
+                                          </p:stCondLst>
+                                        </p:cTn>
+                                        <p:tgtEl>
+                                          <p:spTgt spid="15"/>
+                                        </p:tgtEl>
+                                        <p:attrNameLst>
+                                          <p:attrName>style.visibility</p:attrName>
+                                        </p:attrNameLst>
+                                      </p:cBhvr>
+                                      <p:to>
+                                        <p:strVal val="visible"/>
+                                      </p:to>
+                                    </p:set>
+                                    <p:animEffect transition="in" filter="fade">
+                                      <p:cBhvr>
+                                        <p:cTn id="25" dur="500"/>
+                                        <p:tgtEl>
+                                          <p:spTgt spid="15"/>
+                                        </p:tgtEl>
+                                      </p:cBhvr>
+                                    </p:animEffect>
+                                  </p:childTnLst>
+                                </p:cTn>
+                              </p:par>
+                              <p:par>
+                                <p:cTn id="26" presetID="10" presetClass="entr" presetSubtype="0" fill="hold" nodeType="withEffect">
+                                  <p:stCondLst>
+                                    <p:cond delay="0"/>
+                                  </p:stCondLst>
+                                  <p:childTnLst>
+                                    <p:set>
+                                      <p:cBhvr>
+                                        <p:cTn id="27" dur="1" fill="hold">
+                                          <p:stCondLst>
+                                            <p:cond delay="0"/>
+                                          </p:stCondLst>
+                                        </p:cTn>
+                                        <p:tgtEl>
+                                          <p:spTgt spid="16"/>
+                                        </p:tgtEl>
+                                        <p:attrNameLst>
+                                          <p:attrName>style.visibility</p:attrName>
+                                        </p:attrNameLst>
+                                      </p:cBhvr>
+                                      <p:to>
+                                        <p:strVal val="visible"/>
+                                      </p:to>
+                                    </p:set>
+                                    <p:animEffect transition="in" filter="fade">
+                                      <p:cBhvr>
+                                        <p:cTn id="28" dur="500"/>
+                                        <p:tgtEl>
+                                          <p:spTgt spid="16"/>
+                                        </p:tgtEl>
+                                      </p:cBhvr>
+                                    </p:animEffect>
+                                  </p:childTnLst>
+                                </p:cTn>
+                              </p:par>
+                              <p:par>
+                                <p:cTn id="29" presetID="10" presetClass="entr" presetSubtype="0" fill="hold" nodeType="withEffect">
+                                  <p:stCondLst>
+                                    <p:cond delay="0"/>
+                                  </p:stCondLst>
+                                  <p:childTnLst>
+                                    <p:set>
+                                      <p:cBhvr>
+                                        <p:cTn id="30" dur="1" fill="hold">
+                                          <p:stCondLst>
+                                            <p:cond delay="0"/>
+                                          </p:stCondLst>
+                                        </p:cTn>
+                                        <p:tgtEl>
+                                          <p:spTgt spid="17"/>
+                                        </p:tgtEl>
+                                        <p:attrNameLst>
+                                          <p:attrName>style.visibility</p:attrName>
+                                        </p:attrNameLst>
+                                      </p:cBhvr>
+                                      <p:to>
+                                        <p:strVal val="visible"/>
+                                      </p:to>
+                                    </p:set>
+                                    <p:animEffect transition="in" filter="fade">
+                                      <p:cBhvr>
+                                        <p:cTn id="31" dur="500"/>
+                                        <p:tgtEl>
+                                          <p:spTgt spid="17"/>
+                                        </p:tgtEl>
+                                      </p:cBhvr>
+                                    </p:animEffect>
+                                  </p:childTnLst>
+                                </p:cTn>
+                              </p:par>
+                              <p:par>
+                                <p:cTn id="32" presetID="10" presetClass="entr" presetSubtype="0" fill="hold" nodeType="withEffect">
+                                  <p:stCondLst>
+                                    <p:cond delay="0"/>
+                                  </p:stCondLst>
+                                  <p:childTnLst>
+                                    <p:set>
+                                      <p:cBhvr>
+                                        <p:cTn id="33" dur="1" fill="hold">
+                                          <p:stCondLst>
+                                            <p:cond delay="0"/>
+                                          </p:stCondLst>
+                                        </p:cTn>
+                                        <p:tgtEl>
+                                          <p:spTgt spid="19"/>
+                                        </p:tgtEl>
+                                        <p:attrNameLst>
+                                          <p:attrName>style.visibility</p:attrName>
+                                        </p:attrNameLst>
+                                      </p:cBhvr>
+                                      <p:to>
+                                        <p:strVal val="visible"/>
+                                      </p:to>
+                                    </p:set>
+                                    <p:animEffect transition="in" filter="fade">
+                                      <p:cBhvr>
+                                        <p:cTn id="34" dur="500"/>
+                                        <p:tgtEl>
+                                          <p:spTgt spid="19"/>
+                                        </p:tgtEl>
+                                      </p:cBhvr>
+                                    </p:animEffect>
+                                  </p:childTnLst>
+                                </p:cTn>
+                              </p:par>
+                            </p:childTnLst>
+                          </p:cTn>
+                        </p:par>
+                        <p:par>
+                          <p:cTn id="35" fill="hold">
+                            <p:stCondLst>
+                              <p:cond delay="500"/>
+                            </p:stCondLst>
+                            <p:childTnLst>
+                              <p:par>
+                                <p:cTn id="36" presetID="1" presetClass="entr" presetSubtype="0" fill="hold" grpId="0" nodeType="afterEffect">
+                                  <p:stCondLst>
+                                    <p:cond delay="0"/>
+                                  </p:stCondLst>
+                                  <p:childTnLst>
+                                    <p:set>
+                                      <p:cBhvr>
+                                        <p:cTn id="37" dur="1" fill="hold">
+                                          <p:stCondLst>
+                                            <p:cond delay="0"/>
+                                          </p:stCondLst>
+                                        </p:cTn>
+                                        <p:tgtEl>
+                                          <p:spTgt spid="18">
+                                            <p:txEl>
+                                              <p:pRg st="0" end="0"/>
+                                            </p:txEl>
+                                          </p:spTgt>
+                                        </p:tgtEl>
+                                        <p:attrNameLst>
+                                          <p:attrName>style.visibility</p:attrName>
+                                        </p:attrNameLst>
+                                      </p:cBhvr>
+                                      <p:to>
+                                        <p:strVal val="visible"/>
+                                      </p:to>
+                                    </p:set>
+                                  </p:childTnLst>
+                                </p:cTn>
+                              </p:par>
+                            </p:childTnLst>
+                          </p:cTn>
+                        </p:par>
+                        <p:par>
+                          <p:cTn id="38" fill="hold">
+                            <p:stCondLst>
+                              <p:cond delay="500"/>
+                            </p:stCondLst>
+                            <p:childTnLst>
+                              <p:par>
+                                <p:cTn id="39" presetID="1" presetClass="entr" presetSubtype="0" fill="hold" grpId="0" nodeType="afterEffect">
+                                  <p:stCondLst>
+                                    <p:cond delay="0"/>
+                                  </p:stCondLst>
+                                  <p:childTnLst>
+                                    <p:set>
+                                      <p:cBhvr>
+                                        <p:cTn id="40" dur="1" fill="hold">
+                                          <p:stCondLst>
+                                            <p:cond delay="0"/>
+                                          </p:stCondLst>
+                                        </p:cTn>
+                                        <p:tgtEl>
+                                          <p:spTgt spid="18">
+                                            <p:txEl>
+                                              <p:pRg st="1" end="1"/>
+                                            </p:txEl>
+                                          </p:spTgt>
+                                        </p:tgtEl>
+                                        <p:attrNameLst>
+                                          <p:attrName>style.visibility</p:attrName>
+                                        </p:attrNameLst>
+                                      </p:cBhvr>
+                                      <p:to>
+                                        <p:strVal val="visible"/>
+                                      </p:to>
+                                    </p:set>
+                                  </p:childTnLst>
+                                </p:cTn>
+                              </p:par>
+                            </p:childTnLst>
+                          </p:cTn>
+                        </p:par>
+                        <p:par>
+                          <p:cTn id="41" fill="hold">
+                            <p:stCondLst>
+                              <p:cond delay="500"/>
+                            </p:stCondLst>
+                            <p:childTnLst>
+                              <p:par>
+                                <p:cTn id="42" presetID="1" presetClass="entr" presetSubtype="0" fill="hold" grpId="0" nodeType="afterEffect">
+                                  <p:stCondLst>
+                                    <p:cond delay="0"/>
+                                  </p:stCondLst>
+                                  <p:childTnLst>
+                                    <p:set>
+                                      <p:cBhvr>
+                                        <p:cTn id="43" dur="1" fill="hold">
+                                          <p:stCondLst>
+                                            <p:cond delay="0"/>
+                                          </p:stCondLst>
+                                        </p:cTn>
+                                        <p:tgtEl>
+                                          <p:spTgt spid="18">
+                                            <p:txEl>
+                                              <p:pRg st="2" end="2"/>
+                                            </p:txEl>
+                                          </p:spTgt>
+                                        </p:tgtEl>
+                                        <p:attrNameLst>
+                                          <p:attrName>style.visibility</p:attrName>
+                                        </p:attrNameLst>
+                                      </p:cBhvr>
+                                      <p:to>
+                                        <p:strVal val="visible"/>
+                                      </p:to>
+                                    </p:set>
+                                  </p:childTnLst>
+                                </p:cTn>
+                              </p:par>
+                            </p:childTnLst>
+                          </p:cTn>
+                        </p:par>
+                        <p:par>
+                          <p:cTn id="44" fill="hold">
+                            <p:stCondLst>
+                              <p:cond delay="500"/>
+                            </p:stCondLst>
+                            <p:childTnLst>
+                              <p:par>
+                                <p:cTn id="45" presetID="1" presetClass="entr" presetSubtype="0" fill="hold" grpId="0" nodeType="afterEffect">
+                                  <p:stCondLst>
+                                    <p:cond delay="0"/>
+                                  </p:stCondLst>
+                                  <p:childTnLst>
+                                    <p:set>
+                                      <p:cBhvr>
+                                        <p:cTn id="46" dur="1" fill="hold">
+                                          <p:stCondLst>
+                                            <p:cond delay="0"/>
+                                          </p:stCondLst>
+                                        </p:cTn>
+                                        <p:tgtEl>
+                                          <p:spTgt spid="18">
+                                            <p:txEl>
+                                              <p:pRg st="3" end="3"/>
+                                            </p:txEl>
+                                          </p:spTgt>
+                                        </p:tgtEl>
+                                        <p:attrNameLst>
+                                          <p:attrName>style.visibility</p:attrName>
+                                        </p:attrNameLst>
+                                      </p:cBhvr>
+                                      <p:to>
+                                        <p:strVal val="visible"/>
+                                      </p:to>
+                                    </p:set>
+                                  </p:childTnLst>
+                                </p:cTn>
+                              </p:par>
+                            </p:childTnLst>
+                          </p:cTn>
+                        </p:par>
+                        <p:par>
+                          <p:cTn id="47" fill="hold">
+                            <p:stCondLst>
+                              <p:cond delay="500"/>
+                            </p:stCondLst>
+                            <p:childTnLst>
+                              <p:par>
+                                <p:cTn id="48" presetID="1" presetClass="entr" presetSubtype="0" fill="hold" grpId="0" nodeType="afterEffect">
+                                  <p:stCondLst>
+                                    <p:cond delay="0"/>
+                                  </p:stCondLst>
+                                  <p:childTnLst>
+                                    <p:set>
+                                      <p:cBhvr>
+                                        <p:cTn id="49" dur="1" fill="hold">
+                                          <p:stCondLst>
+                                            <p:cond delay="0"/>
+                                          </p:stCondLst>
+                                        </p:cTn>
+                                        <p:tgtEl>
+                                          <p:spTgt spid="18">
+                                            <p:txEl>
+                                              <p:pRg st="4" end="4"/>
+                                            </p:txEl>
+                                          </p:spTgt>
+                                        </p:tgtEl>
+                                        <p:attrNameLst>
+                                          <p:attrName>style.visibility</p:attrName>
+                                        </p:attrNameLst>
+                                      </p:cBhvr>
+                                      <p:to>
+                                        <p:strVal val="visible"/>
+                                      </p:to>
+                                    </p:set>
+                                  </p:childTnLst>
+                                </p:cTn>
+                              </p:par>
+                            </p:childTnLst>
+                          </p:cTn>
+                        </p:par>
+                      </p:childTnLst>
+                    </p:cTn>
+                  </p:par>
+                  <p:par>
+                    <p:cTn id="50" fill="hold">
+                      <p:stCondLst>
+                        <p:cond delay="indefinite"/>
+                      </p:stCondLst>
+                      <p:childTnLst>
+                        <p:par>
+                          <p:cTn id="51" fill="hold">
+                            <p:stCondLst>
+                              <p:cond delay="0"/>
+                            </p:stCondLst>
+                            <p:childTnLst>
+                              <p:par>
+                                <p:cTn id="52" presetID="2" presetClass="entr" presetSubtype="8" fill="hold" grpId="0" nodeType="clickEffect">
+                                  <p:stCondLst>
+                                    <p:cond delay="0"/>
+                                  </p:stCondLst>
+                                  <p:childTnLst>
+                                    <p:set>
+                                      <p:cBhvr>
+                                        <p:cTn id="53" dur="1" fill="hold">
+                                          <p:stCondLst>
+                                            <p:cond delay="0"/>
+                                          </p:stCondLst>
+                                        </p:cTn>
+                                        <p:tgtEl>
+                                          <p:spTgt spid="23"/>
+                                        </p:tgtEl>
+                                        <p:attrNameLst>
+                                          <p:attrName>style.visibility</p:attrName>
+                                        </p:attrNameLst>
+                                      </p:cBhvr>
+                                      <p:to>
+                                        <p:strVal val="visible"/>
+                                      </p:to>
+                                    </p:set>
+                                    <p:anim calcmode="lin" valueType="num">
+                                      <p:cBhvr additive="base">
+                                        <p:cTn id="54" dur="500" fill="hold"/>
+                                        <p:tgtEl>
+                                          <p:spTgt spid="23"/>
+                                        </p:tgtEl>
+                                        <p:attrNameLst>
+                                          <p:attrName>ppt_x</p:attrName>
+                                        </p:attrNameLst>
+                                      </p:cBhvr>
+                                      <p:tavLst>
+                                        <p:tav tm="0">
+                                          <p:val>
+                                            <p:strVal val="0-#ppt_w/2"/>
+                                          </p:val>
+                                        </p:tav>
+                                        <p:tav tm="100000">
+                                          <p:val>
+                                            <p:strVal val="#ppt_x"/>
+                                          </p:val>
+                                        </p:tav>
+                                      </p:tavLst>
+                                    </p:anim>
+                                    <p:anim calcmode="lin" valueType="num">
+                                      <p:cBhvr additive="base">
+                                        <p:cTn id="55" dur="500" fill="hold"/>
+                                        <p:tgtEl>
+                                          <p:spTgt spid="23"/>
+                                        </p:tgtEl>
+                                        <p:attrNameLst>
+                                          <p:attrName>ppt_y</p:attrName>
+                                        </p:attrNameLst>
+                                      </p:cBhvr>
+                                      <p:tavLst>
+                                        <p:tav tm="0">
+                                          <p:val>
+                                            <p:strVal val="#ppt_y"/>
+                                          </p:val>
+                                        </p:tav>
+                                        <p:tav tm="100000">
+                                          <p:val>
+                                            <p:strVal val="#ppt_y"/>
+                                          </p:val>
+                                        </p:tav>
+                                      </p:tavLst>
+                                    </p:anim>
+                                  </p:childTnLst>
+                                </p:cTn>
+                              </p:par>
+                            </p:childTnLst>
+                          </p:cTn>
+                        </p:par>
+                        <p:par>
+                          <p:cTn id="56" fill="hold">
+                            <p:stCondLst>
+                              <p:cond delay="500"/>
+                            </p:stCondLst>
+                            <p:childTnLst>
+                              <p:par>
+                                <p:cTn id="57" presetID="1" presetClass="entr" presetSubtype="0" fill="hold" nodeType="afterEffect">
+                                  <p:stCondLst>
+                                    <p:cond delay="0"/>
+                                  </p:stCondLst>
+                                  <p:childTnLst>
+                                    <p:set>
+                                      <p:cBhvr>
+                                        <p:cTn id="58" dur="1" fill="hold">
+                                          <p:stCondLst>
+                                            <p:cond delay="0"/>
+                                          </p:stCondLst>
+                                        </p:cTn>
+                                        <p:tgtEl>
+                                          <p:spTgt spid="22"/>
+                                        </p:tgtEl>
+                                        <p:attrNameLst>
+                                          <p:attrName>style.visibility</p:attrName>
+                                        </p:attrNameLst>
+                                      </p:cBhvr>
+                                      <p:to>
+                                        <p:strVal val="visible"/>
+                                      </p:to>
+                                    </p:set>
+                                  </p:childTnLst>
+                                </p:cTn>
+                              </p:par>
+                            </p:childTnLst>
+                          </p:cTn>
+                        </p:par>
+                      </p:childTnLst>
+                    </p:cTn>
+                  </p:par>
+                </p:childTnLst>
+              </p:cTn>
+              <p:prevCondLst>
+                <p:cond evt="onPrev" delay="0">
+                  <p:tgtEl>
+                    <p:sldTgt/>
+                  </p:tgtEl>
+                </p:cond>
+              </p:prevCondLst>
+              <p:nextCondLst>
+                <p:cond evt="onNext" delay="0">
+                  <p:tgtEl>
+                    <p:sldTgt/>
+                  </p:tgtEl>
+                </p:cond>
+              </p:nextCondLst>
+            </p:seq>
+          </p:childTnLst>
+        </p:cTn>
+      </p:par>
+    </p:tnLst>
+    <p:bldLst>
+      <p:bldP spid="23" grpId="0" animBg="1"/>
+      <p:bldP spid="18" grpId="0" uiExpand="1" build="p"/>
+    </p:bldLst>
+  </p:timing>
+</p:sld>
+</file>
+
+<file path=ppt/slides/slide13.xml><?xml version="1.0" encoding="utf-8"?>
 <p:sld xmlns:a="http://schemas.openxmlformats.org/drawingml/2006/main" xmlns:r="http://schemas.openxmlformats.org/officeDocument/2006/relationships" xmlns:p="http://schemas.openxmlformats.org/presentationml/2006/main">
   <p:cSld>
     <p:spTree>
@@ -6865,8 +8610,8 @@
         </p:nvSpPr>
         <p:spPr>
           <a:xfrm>
-            <a:off x="5467926" y="2865643"/>
-            <a:ext cx="3611419" cy="646331"/>
+            <a:off x="4719782" y="2865643"/>
+            <a:ext cx="8432800" cy="646331"/>
           </a:xfrm>
           <a:prstGeom prst="rect">
             <a:avLst/>
@@ -6939,7 +8684,39 @@
           <a:p>
             <a:r>
               <a:rPr lang="en-US" dirty="0"/>
-              <a:t>(n*m) + (m*p) =(3 * 4) + (4 * 2) = 20</a:t>
+              <a:t>(</a:t>
+            </a:r>
+            <a:r>
+              <a:rPr lang="en-US" dirty="0" err="1"/>
+              <a:t>n_input</a:t>
+            </a:r>
+            <a:r>
+              <a:rPr lang="en-US" dirty="0"/>
+              <a:t> *</a:t>
+            </a:r>
+            <a:r>
+              <a:rPr lang="en-US" dirty="0" err="1"/>
+              <a:t>n_hidden</a:t>
+            </a:r>
+            <a:r>
+              <a:rPr lang="en-US" dirty="0"/>
+              <a:t>) + (</a:t>
+            </a:r>
+            <a:r>
+              <a:rPr lang="en-US" dirty="0" err="1"/>
+              <a:t>n_hidden</a:t>
+            </a:r>
+            <a:r>
+              <a:rPr lang="en-US" dirty="0"/>
+              <a:t> * </a:t>
+            </a:r>
+            <a:r>
+              <a:rPr lang="en-US" dirty="0" err="1"/>
+              <a:t>n_output</a:t>
+            </a:r>
+            <a:r>
+              <a:rPr lang="en-US" dirty="0"/>
+              <a:t>) =(3 * 4) + (4 * 2) = 20</a:t>
             </a:r>
           </a:p>
         </p:txBody>
@@ -7230,7 +9007,7 @@
         <p:spPr>
           <a:xfrm>
             <a:off x="1653309" y="5384800"/>
-            <a:ext cx="306494" cy="369332"/>
+            <a:ext cx="917239" cy="369332"/>
           </a:xfrm>
           <a:prstGeom prst="rect">
             <a:avLst/>
@@ -7244,9 +9021,10 @@
           <a:lstStyle/>
           <a:p>
             <a:r>
-              <a:rPr lang="en-US" dirty="0"/>
-              <a:t>n</a:t>
-            </a:r>
+              <a:rPr lang="en-US" dirty="0" err="1"/>
+              <a:t>n_input</a:t>
+            </a:r>
+            <a:endParaRPr lang="en-US" dirty="0"/>
           </a:p>
         </p:txBody>
       </p:sp>
@@ -7265,7 +9043,7 @@
         <p:spPr>
           <a:xfrm>
             <a:off x="2729345" y="5537200"/>
-            <a:ext cx="369012" cy="369332"/>
+            <a:ext cx="1077539" cy="369332"/>
           </a:xfrm>
           <a:prstGeom prst="rect">
             <a:avLst/>
@@ -7279,9 +9057,10 @@
           <a:lstStyle/>
           <a:p>
             <a:r>
-              <a:rPr lang="en-US" dirty="0"/>
-              <a:t>m</a:t>
-            </a:r>
+              <a:rPr lang="en-US" dirty="0" err="1"/>
+              <a:t>n_hidden</a:t>
+            </a:r>
+            <a:endParaRPr lang="en-US" dirty="0"/>
           </a:p>
         </p:txBody>
       </p:sp>
@@ -7300,7 +9079,7 @@
         <p:spPr>
           <a:xfrm>
             <a:off x="3846946" y="4789055"/>
-            <a:ext cx="306494" cy="369332"/>
+            <a:ext cx="1063112" cy="369332"/>
           </a:xfrm>
           <a:prstGeom prst="rect">
             <a:avLst/>
@@ -7314,9 +9093,10 @@
           <a:lstStyle/>
           <a:p>
             <a:r>
-              <a:rPr lang="en-US" dirty="0"/>
-              <a:t>p</a:t>
-            </a:r>
+              <a:rPr lang="en-US" dirty="0" err="1"/>
+              <a:t>n_output</a:t>
+            </a:r>
+            <a:endParaRPr lang="en-US" dirty="0"/>
           </a:p>
         </p:txBody>
       </p:sp>
@@ -7324,6 +9104,591 @@
     <p:extLst>
       <p:ext uri="{BB962C8B-B14F-4D97-AF65-F5344CB8AC3E}">
         <p14:creationId xmlns:p14="http://schemas.microsoft.com/office/powerpoint/2010/main" val="240641241"/>
+      </p:ext>
+    </p:extLst>
+  </p:cSld>
+  <p:clrMapOvr>
+    <a:masterClrMapping/>
+  </p:clrMapOvr>
+</p:sld>
+</file>
+
+<file path=ppt/slides/slide14.xml><?xml version="1.0" encoding="utf-8"?>
+<p:sld xmlns:a="http://schemas.openxmlformats.org/drawingml/2006/main" xmlns:r="http://schemas.openxmlformats.org/officeDocument/2006/relationships" xmlns:p="http://schemas.openxmlformats.org/presentationml/2006/main">
+  <p:cSld>
+    <p:bg>
+      <p:bgPr>
+        <a:solidFill>
+          <a:schemeClr val="bg1">
+            <a:tint val="95000"/>
+            <a:satMod val="170000"/>
+          </a:schemeClr>
+        </a:solidFill>
+        <a:effectLst/>
+      </p:bgPr>
+    </p:bg>
+    <p:spTree>
+      <p:nvGrpSpPr>
+        <p:cNvPr id="1" name=""/>
+        <p:cNvGrpSpPr/>
+        <p:nvPr/>
+      </p:nvGrpSpPr>
+      <p:grpSpPr>
+        <a:xfrm>
+          <a:off x="0" y="0"/>
+          <a:ext cx="0" cy="0"/>
+          <a:chOff x="0" y="0"/>
+          <a:chExt cx="0" cy="0"/>
+        </a:xfrm>
+      </p:grpSpPr>
+      <p:sp>
+        <p:nvSpPr>
+          <p:cNvPr id="10" name="Rectangle 9">
+            <a:extLst>
+              <a:ext uri="{FF2B5EF4-FFF2-40B4-BE49-F238E27FC236}">
+                <a16:creationId xmlns:a16="http://schemas.microsoft.com/office/drawing/2014/main" id="{5B32A67F-3598-4A13-8552-DA884FFCCE57}"/>
+              </a:ext>
+              <a:ext uri="{C183D7F6-B498-43B3-948B-1728B52AA6E4}">
+                <adec:decorative xmlns:adec="http://schemas.microsoft.com/office/drawing/2017/decorative" val="1"/>
+              </a:ext>
+            </a:extLst>
+          </p:cNvPr>
+          <p:cNvSpPr>
+            <a:spLocks noGrp="1" noRot="1" noChangeAspect="1" noMove="1" noResize="1" noEditPoints="1" noAdjustHandles="1" noChangeArrowheads="1" noChangeShapeType="1" noTextEdit="1"/>
+          </p:cNvSpPr>
+          <p:nvPr>
+            <p:extLst>
+              <p:ext uri="{386F3935-93C4-4BCD-93E2-E3B085C9AB24}">
+                <p16:designElem xmlns:p16="http://schemas.microsoft.com/office/powerpoint/2015/main" val="1"/>
+              </p:ext>
+            </p:extLst>
+          </p:nvPr>
+        </p:nvSpPr>
+        <p:spPr>
+          <a:xfrm>
+            <a:off x="0" y="0"/>
+            <a:ext cx="12192000" cy="6858000"/>
+          </a:xfrm>
+          <a:prstGeom prst="rect">
+            <a:avLst/>
+          </a:prstGeom>
+          <a:solidFill>
+            <a:schemeClr val="tx1">
+              <a:lumMod val="75000"/>
+              <a:lumOff val="25000"/>
+            </a:schemeClr>
+          </a:solidFill>
+          <a:ln>
+            <a:noFill/>
+          </a:ln>
+        </p:spPr>
+        <p:style>
+          <a:lnRef idx="2">
+            <a:schemeClr val="accent1">
+              <a:shade val="50000"/>
+            </a:schemeClr>
+          </a:lnRef>
+          <a:fillRef idx="1">
+            <a:schemeClr val="accent1"/>
+          </a:fillRef>
+          <a:effectRef idx="0">
+            <a:schemeClr val="accent1"/>
+          </a:effectRef>
+          <a:fontRef idx="minor">
+            <a:schemeClr val="lt1"/>
+          </a:fontRef>
+        </p:style>
+        <p:txBody>
+          <a:bodyPr rtlCol="0" anchor="ctr"/>
+          <a:lstStyle/>
+          <a:p>
+            <a:pPr algn="ctr"/>
+            <a:endParaRPr lang="en-US"/>
+          </a:p>
+        </p:txBody>
+      </p:sp>
+      <p:sp>
+        <p:nvSpPr>
+          <p:cNvPr id="2" name="Title 1">
+            <a:extLst>
+              <a:ext uri="{FF2B5EF4-FFF2-40B4-BE49-F238E27FC236}">
+                <a16:creationId xmlns:a16="http://schemas.microsoft.com/office/drawing/2014/main" id="{9E16C486-BC92-49E7-98DC-EC941B8B5819}"/>
+              </a:ext>
+            </a:extLst>
+          </p:cNvPr>
+          <p:cNvSpPr>
+            <a:spLocks noGrp="1"/>
+          </p:cNvSpPr>
+          <p:nvPr>
+            <p:ph type="title"/>
+          </p:nvPr>
+        </p:nvSpPr>
+        <p:spPr>
+          <a:xfrm>
+            <a:off x="1004698" y="2581333"/>
+            <a:ext cx="4573475" cy="2076333"/>
+          </a:xfrm>
+        </p:spPr>
+        <p:txBody>
+          <a:bodyPr vert="horz" lIns="91440" tIns="45720" rIns="91440" bIns="45720" rtlCol="0" anchor="t">
+            <a:normAutofit/>
+          </a:bodyPr>
+          <a:lstStyle/>
+          <a:p>
+            <a:r>
+              <a:rPr lang="en-US" sz="4800" kern="1200" dirty="0">
+                <a:solidFill>
+                  <a:schemeClr val="bg1"/>
+                </a:solidFill>
+                <a:latin typeface="+mj-lt"/>
+                <a:ea typeface="+mj-ea"/>
+                <a:cs typeface="+mj-cs"/>
+              </a:rPr>
+              <a:t>Any question?</a:t>
+            </a:r>
+          </a:p>
+        </p:txBody>
+      </p:sp>
+      <p:sp>
+        <p:nvSpPr>
+          <p:cNvPr id="12" name="Freeform: Shape 11">
+            <a:extLst>
+              <a:ext uri="{FF2B5EF4-FFF2-40B4-BE49-F238E27FC236}">
+                <a16:creationId xmlns:a16="http://schemas.microsoft.com/office/drawing/2014/main" id="{BCC55ACC-A2F6-403C-A3A4-D59B3734D45F}"/>
+              </a:ext>
+              <a:ext uri="{C183D7F6-B498-43B3-948B-1728B52AA6E4}">
+                <adec:decorative xmlns:adec="http://schemas.microsoft.com/office/drawing/2017/decorative" val="1"/>
+              </a:ext>
+            </a:extLst>
+          </p:cNvPr>
+          <p:cNvSpPr>
+            <a:spLocks noGrp="1" noRot="1" noChangeAspect="1" noMove="1" noResize="1" noEditPoints="1" noAdjustHandles="1" noChangeArrowheads="1" noChangeShapeType="1" noTextEdit="1"/>
+          </p:cNvSpPr>
+          <p:nvPr>
+            <p:extLst>
+              <p:ext uri="{386F3935-93C4-4BCD-93E2-E3B085C9AB24}">
+                <p16:designElem xmlns:p16="http://schemas.microsoft.com/office/powerpoint/2015/main" val="1"/>
+              </p:ext>
+            </p:extLst>
+          </p:nvPr>
+        </p:nvSpPr>
+        <p:spPr>
+          <a:xfrm>
+            <a:off x="5857312" y="381000"/>
+            <a:ext cx="6334689" cy="6477000"/>
+          </a:xfrm>
+          <a:custGeom>
+            <a:avLst/>
+            <a:gdLst>
+              <a:gd name="connsiteX0" fmla="*/ 3561588 w 6334689"/>
+              <a:gd name="connsiteY0" fmla="*/ 0 h 6477000"/>
+              <a:gd name="connsiteX1" fmla="*/ 6309883 w 6334689"/>
+              <a:gd name="connsiteY1" fmla="*/ 1296087 h 6477000"/>
+              <a:gd name="connsiteX2" fmla="*/ 6334689 w 6334689"/>
+              <a:gd name="connsiteY2" fmla="*/ 1329261 h 6477000"/>
+              <a:gd name="connsiteX3" fmla="*/ 6334689 w 6334689"/>
+              <a:gd name="connsiteY3" fmla="*/ 5793916 h 6477000"/>
+              <a:gd name="connsiteX4" fmla="*/ 6309883 w 6334689"/>
+              <a:gd name="connsiteY4" fmla="*/ 5827089 h 6477000"/>
+              <a:gd name="connsiteX5" fmla="*/ 5760467 w 6334689"/>
+              <a:gd name="connsiteY5" fmla="*/ 6363539 h 6477000"/>
+              <a:gd name="connsiteX6" fmla="*/ 5607796 w 6334689"/>
+              <a:gd name="connsiteY6" fmla="*/ 6477000 h 6477000"/>
+              <a:gd name="connsiteX7" fmla="*/ 1519571 w 6334689"/>
+              <a:gd name="connsiteY7" fmla="*/ 6477000 h 6477000"/>
+              <a:gd name="connsiteX8" fmla="*/ 1296088 w 6334689"/>
+              <a:gd name="connsiteY8" fmla="*/ 6309883 h 6477000"/>
+              <a:gd name="connsiteX9" fmla="*/ 0 w 6334689"/>
+              <a:gd name="connsiteY9" fmla="*/ 3561588 h 6477000"/>
+              <a:gd name="connsiteX10" fmla="*/ 3561588 w 6334689"/>
+              <a:gd name="connsiteY10" fmla="*/ 0 h 6477000"/>
+            </a:gdLst>
+            <a:ahLst/>
+            <a:cxnLst>
+              <a:cxn ang="0">
+                <a:pos x="connsiteX0" y="connsiteY0"/>
+              </a:cxn>
+              <a:cxn ang="0">
+                <a:pos x="connsiteX1" y="connsiteY1"/>
+              </a:cxn>
+              <a:cxn ang="0">
+                <a:pos x="connsiteX2" y="connsiteY2"/>
+              </a:cxn>
+              <a:cxn ang="0">
+                <a:pos x="connsiteX3" y="connsiteY3"/>
+              </a:cxn>
+              <a:cxn ang="0">
+                <a:pos x="connsiteX4" y="connsiteY4"/>
+              </a:cxn>
+              <a:cxn ang="0">
+                <a:pos x="connsiteX5" y="connsiteY5"/>
+              </a:cxn>
+              <a:cxn ang="0">
+                <a:pos x="connsiteX6" y="connsiteY6"/>
+              </a:cxn>
+              <a:cxn ang="0">
+                <a:pos x="connsiteX7" y="connsiteY7"/>
+              </a:cxn>
+              <a:cxn ang="0">
+                <a:pos x="connsiteX8" y="connsiteY8"/>
+              </a:cxn>
+              <a:cxn ang="0">
+                <a:pos x="connsiteX9" y="connsiteY9"/>
+              </a:cxn>
+              <a:cxn ang="0">
+                <a:pos x="connsiteX10" y="connsiteY10"/>
+              </a:cxn>
+            </a:cxnLst>
+            <a:rect l="l" t="t" r="r" b="b"/>
+            <a:pathLst>
+              <a:path w="6334689" h="6477000">
+                <a:moveTo>
+                  <a:pt x="3561588" y="0"/>
+                </a:moveTo>
+                <a:cubicBezTo>
+                  <a:pt x="4668032" y="0"/>
+                  <a:pt x="5656635" y="504534"/>
+                  <a:pt x="6309883" y="1296087"/>
+                </a:cubicBezTo>
+                <a:lnTo>
+                  <a:pt x="6334689" y="1329261"/>
+                </a:lnTo>
+                <a:lnTo>
+                  <a:pt x="6334689" y="5793916"/>
+                </a:lnTo>
+                <a:lnTo>
+                  <a:pt x="6309883" y="5827089"/>
+                </a:lnTo>
+                <a:cubicBezTo>
+                  <a:pt x="6146571" y="6024977"/>
+                  <a:pt x="5962299" y="6204927"/>
+                  <a:pt x="5760467" y="6363539"/>
+                </a:cubicBezTo>
+                <a:lnTo>
+                  <a:pt x="5607796" y="6477000"/>
+                </a:lnTo>
+                <a:lnTo>
+                  <a:pt x="1519571" y="6477000"/>
+                </a:lnTo>
+                <a:lnTo>
+                  <a:pt x="1296088" y="6309883"/>
+                </a:lnTo>
+                <a:cubicBezTo>
+                  <a:pt x="504535" y="5656635"/>
+                  <a:pt x="0" y="4668032"/>
+                  <a:pt x="0" y="3561588"/>
+                </a:cubicBezTo>
+                <a:cubicBezTo>
+                  <a:pt x="0" y="1594577"/>
+                  <a:pt x="1594577" y="0"/>
+                  <a:pt x="3561588" y="0"/>
+                </a:cubicBezTo>
+                <a:close/>
+              </a:path>
+            </a:pathLst>
+          </a:custGeom>
+          <a:solidFill>
+            <a:schemeClr val="bg1">
+              <a:alpha val="80000"/>
+            </a:schemeClr>
+          </a:solidFill>
+          <a:ln>
+            <a:noFill/>
+          </a:ln>
+        </p:spPr>
+        <p:style>
+          <a:lnRef idx="2">
+            <a:schemeClr val="accent1">
+              <a:shade val="50000"/>
+            </a:schemeClr>
+          </a:lnRef>
+          <a:fillRef idx="1">
+            <a:schemeClr val="accent1"/>
+          </a:fillRef>
+          <a:effectRef idx="0">
+            <a:schemeClr val="accent1"/>
+          </a:effectRef>
+          <a:fontRef idx="minor">
+            <a:schemeClr val="lt1"/>
+          </a:fontRef>
+        </p:style>
+        <p:txBody>
+          <a:bodyPr rtlCol="0" anchor="ctr"/>
+          <a:lstStyle/>
+          <a:p>
+            <a:pPr marL="0" marR="0" lvl="0" indent="0" algn="ctr" defTabSz="914400" rtl="0" eaLnBrk="1" fontAlgn="auto" latinLnBrk="0" hangingPunct="1">
+              <a:lnSpc>
+                <a:spcPct val="100000"/>
+              </a:lnSpc>
+              <a:spcBef>
+                <a:spcPts val="0"/>
+              </a:spcBef>
+              <a:spcAft>
+                <a:spcPts val="0"/>
+              </a:spcAft>
+              <a:buClrTx/>
+              <a:buSzTx/>
+              <a:buFontTx/>
+              <a:buNone/>
+              <a:tabLst/>
+              <a:defRPr/>
+            </a:pPr>
+            <a:endParaRPr kumimoji="0" lang="en-US" sz="1800" b="0" i="0" u="none" strike="noStrike" kern="1200" cap="none" spc="0" normalizeH="0" baseline="0" noProof="0">
+              <a:ln>
+                <a:noFill/>
+              </a:ln>
+              <a:solidFill>
+                <a:prstClr val="white"/>
+              </a:solidFill>
+              <a:effectLst/>
+              <a:uLnTx/>
+              <a:uFillTx/>
+              <a:latin typeface="Calibri" panose="020F0502020204030204"/>
+              <a:ea typeface="+mn-ea"/>
+              <a:cs typeface="+mn-cs"/>
+            </a:endParaRPr>
+          </a:p>
+        </p:txBody>
+      </p:sp>
+      <p:sp>
+        <p:nvSpPr>
+          <p:cNvPr id="14" name="Freeform: Shape 13">
+            <a:extLst>
+              <a:ext uri="{FF2B5EF4-FFF2-40B4-BE49-F238E27FC236}">
+                <a16:creationId xmlns:a16="http://schemas.microsoft.com/office/drawing/2014/main" id="{598EBA13-C937-430B-9523-439FE21096E6}"/>
+              </a:ext>
+              <a:ext uri="{C183D7F6-B498-43B3-948B-1728B52AA6E4}">
+                <adec:decorative xmlns:adec="http://schemas.microsoft.com/office/drawing/2017/decorative" val="1"/>
+              </a:ext>
+            </a:extLst>
+          </p:cNvPr>
+          <p:cNvSpPr>
+            <a:spLocks noGrp="1" noRot="1" noChangeAspect="1" noMove="1" noResize="1" noEditPoints="1" noAdjustHandles="1" noChangeArrowheads="1" noChangeShapeType="1" noTextEdit="1"/>
+          </p:cNvSpPr>
+          <p:nvPr>
+            <p:extLst>
+              <p:ext uri="{386F3935-93C4-4BCD-93E2-E3B085C9AB24}">
+                <p16:designElem xmlns:p16="http://schemas.microsoft.com/office/powerpoint/2015/main" val="1"/>
+              </p:ext>
+            </p:extLst>
+          </p:nvPr>
+        </p:nvSpPr>
+        <p:spPr>
+          <a:xfrm>
+            <a:off x="6021086" y="544777"/>
+            <a:ext cx="6170914" cy="6313225"/>
+          </a:xfrm>
+          <a:custGeom>
+            <a:avLst/>
+            <a:gdLst>
+              <a:gd name="connsiteX0" fmla="*/ 3397813 w 6170914"/>
+              <a:gd name="connsiteY0" fmla="*/ 0 h 6313225"/>
+              <a:gd name="connsiteX1" fmla="*/ 6019731 w 6170914"/>
+              <a:gd name="connsiteY1" fmla="*/ 1236489 h 6313225"/>
+              <a:gd name="connsiteX2" fmla="*/ 6170914 w 6170914"/>
+              <a:gd name="connsiteY2" fmla="*/ 1438663 h 6313225"/>
+              <a:gd name="connsiteX3" fmla="*/ 6170914 w 6170914"/>
+              <a:gd name="connsiteY3" fmla="*/ 5356963 h 6313225"/>
+              <a:gd name="connsiteX4" fmla="*/ 6019731 w 6170914"/>
+              <a:gd name="connsiteY4" fmla="*/ 5559138 h 6313225"/>
+              <a:gd name="connsiteX5" fmla="*/ 5194591 w 6170914"/>
+              <a:gd name="connsiteY5" fmla="*/ 6282226 h 6313225"/>
+              <a:gd name="connsiteX6" fmla="*/ 5141791 w 6170914"/>
+              <a:gd name="connsiteY6" fmla="*/ 6313225 h 6313225"/>
+              <a:gd name="connsiteX7" fmla="*/ 1659199 w 6170914"/>
+              <a:gd name="connsiteY7" fmla="*/ 6313225 h 6313225"/>
+              <a:gd name="connsiteX8" fmla="*/ 1498064 w 6170914"/>
+              <a:gd name="connsiteY8" fmla="*/ 6215333 h 6313225"/>
+              <a:gd name="connsiteX9" fmla="*/ 0 w 6170914"/>
+              <a:gd name="connsiteY9" fmla="*/ 3397813 h 6313225"/>
+              <a:gd name="connsiteX10" fmla="*/ 3397813 w 6170914"/>
+              <a:gd name="connsiteY10" fmla="*/ 0 h 6313225"/>
+            </a:gdLst>
+            <a:ahLst/>
+            <a:cxnLst>
+              <a:cxn ang="0">
+                <a:pos x="connsiteX0" y="connsiteY0"/>
+              </a:cxn>
+              <a:cxn ang="0">
+                <a:pos x="connsiteX1" y="connsiteY1"/>
+              </a:cxn>
+              <a:cxn ang="0">
+                <a:pos x="connsiteX2" y="connsiteY2"/>
+              </a:cxn>
+              <a:cxn ang="0">
+                <a:pos x="connsiteX3" y="connsiteY3"/>
+              </a:cxn>
+              <a:cxn ang="0">
+                <a:pos x="connsiteX4" y="connsiteY4"/>
+              </a:cxn>
+              <a:cxn ang="0">
+                <a:pos x="connsiteX5" y="connsiteY5"/>
+              </a:cxn>
+              <a:cxn ang="0">
+                <a:pos x="connsiteX6" y="connsiteY6"/>
+              </a:cxn>
+              <a:cxn ang="0">
+                <a:pos x="connsiteX7" y="connsiteY7"/>
+              </a:cxn>
+              <a:cxn ang="0">
+                <a:pos x="connsiteX8" y="connsiteY8"/>
+              </a:cxn>
+              <a:cxn ang="0">
+                <a:pos x="connsiteX9" y="connsiteY9"/>
+              </a:cxn>
+              <a:cxn ang="0">
+                <a:pos x="connsiteX10" y="connsiteY10"/>
+              </a:cxn>
+            </a:cxnLst>
+            <a:rect l="l" t="t" r="r" b="b"/>
+            <a:pathLst>
+              <a:path w="6170914" h="6313225">
+                <a:moveTo>
+                  <a:pt x="3397813" y="0"/>
+                </a:moveTo>
+                <a:cubicBezTo>
+                  <a:pt x="4453378" y="0"/>
+                  <a:pt x="5396522" y="481334"/>
+                  <a:pt x="6019731" y="1236489"/>
+                </a:cubicBezTo>
+                <a:lnTo>
+                  <a:pt x="6170914" y="1438663"/>
+                </a:lnTo>
+                <a:lnTo>
+                  <a:pt x="6170914" y="5356963"/>
+                </a:lnTo>
+                <a:lnTo>
+                  <a:pt x="6019731" y="5559138"/>
+                </a:lnTo>
+                <a:cubicBezTo>
+                  <a:pt x="5786028" y="5842321"/>
+                  <a:pt x="5507333" y="6086998"/>
+                  <a:pt x="5194591" y="6282226"/>
+                </a:cubicBezTo>
+                <a:lnTo>
+                  <a:pt x="5141791" y="6313225"/>
+                </a:lnTo>
+                <a:lnTo>
+                  <a:pt x="1659199" y="6313225"/>
+                </a:lnTo>
+                <a:lnTo>
+                  <a:pt x="1498064" y="6215333"/>
+                </a:lnTo>
+                <a:cubicBezTo>
+                  <a:pt x="594240" y="5604721"/>
+                  <a:pt x="0" y="4570663"/>
+                  <a:pt x="0" y="3397813"/>
+                </a:cubicBezTo>
+                <a:cubicBezTo>
+                  <a:pt x="0" y="1521253"/>
+                  <a:pt x="1521253" y="0"/>
+                  <a:pt x="3397813" y="0"/>
+                </a:cubicBezTo>
+                <a:close/>
+              </a:path>
+            </a:pathLst>
+          </a:custGeom>
+          <a:solidFill>
+            <a:schemeClr val="bg1"/>
+          </a:solidFill>
+          <a:ln>
+            <a:noFill/>
+          </a:ln>
+        </p:spPr>
+        <p:style>
+          <a:lnRef idx="2">
+            <a:schemeClr val="accent1">
+              <a:shade val="50000"/>
+            </a:schemeClr>
+          </a:lnRef>
+          <a:fillRef idx="1">
+            <a:schemeClr val="accent1"/>
+          </a:fillRef>
+          <a:effectRef idx="0">
+            <a:schemeClr val="accent1"/>
+          </a:effectRef>
+          <a:fontRef idx="minor">
+            <a:schemeClr val="lt1"/>
+          </a:fontRef>
+        </p:style>
+        <p:txBody>
+          <a:bodyPr rtlCol="0" anchor="ctr"/>
+          <a:lstStyle/>
+          <a:p>
+            <a:pPr marL="0" marR="0" lvl="0" indent="0" algn="ctr" defTabSz="914400" rtl="0" eaLnBrk="1" fontAlgn="auto" latinLnBrk="0" hangingPunct="1">
+              <a:lnSpc>
+                <a:spcPct val="100000"/>
+              </a:lnSpc>
+              <a:spcBef>
+                <a:spcPts val="0"/>
+              </a:spcBef>
+              <a:spcAft>
+                <a:spcPts val="0"/>
+              </a:spcAft>
+              <a:buClrTx/>
+              <a:buSzTx/>
+              <a:buFontTx/>
+              <a:buNone/>
+              <a:tabLst/>
+              <a:defRPr/>
+            </a:pPr>
+            <a:endParaRPr kumimoji="0" lang="en-US" sz="1800" b="0" i="0" u="none" strike="noStrike" kern="1200" cap="none" spc="0" normalizeH="0" baseline="0" noProof="0">
+              <a:ln>
+                <a:noFill/>
+              </a:ln>
+              <a:solidFill>
+                <a:prstClr val="white"/>
+              </a:solidFill>
+              <a:effectLst/>
+              <a:uLnTx/>
+              <a:uFillTx/>
+              <a:latin typeface="Calibri" panose="020F0502020204030204"/>
+              <a:ea typeface="+mn-ea"/>
+              <a:cs typeface="+mn-cs"/>
+            </a:endParaRPr>
+          </a:p>
+        </p:txBody>
+      </p:sp>
+      <p:pic>
+        <p:nvPicPr>
+          <p:cNvPr id="5" name="Picture 4" descr="Confused Bee">
+            <a:extLst>
+              <a:ext uri="{FF2B5EF4-FFF2-40B4-BE49-F238E27FC236}">
+                <a16:creationId xmlns:a16="http://schemas.microsoft.com/office/drawing/2014/main" id="{7C9185C0-0544-44F8-9325-1E085ADE976B}"/>
+              </a:ext>
+            </a:extLst>
+          </p:cNvPr>
+          <p:cNvPicPr>
+            <a:picLocks noChangeAspect="1"/>
+          </p:cNvPicPr>
+          <p:nvPr/>
+        </p:nvPicPr>
+        <p:blipFill>
+          <a:blip r:embed="rId2">
+            <a:extLst>
+              <a:ext uri="{28A0092B-C50C-407E-A947-70E740481C1C}">
+                <a14:useLocalDpi xmlns:a14="http://schemas.microsoft.com/office/drawing/2010/main" val="0"/>
+              </a:ext>
+            </a:extLst>
+          </a:blip>
+          <a:stretch>
+            <a:fillRect/>
+          </a:stretch>
+        </p:blipFill>
+        <p:spPr>
+          <a:xfrm>
+            <a:off x="6817709" y="1038225"/>
+            <a:ext cx="4781550" cy="4781550"/>
+          </a:xfrm>
+          <a:prstGeom prst="rect">
+            <a:avLst/>
+          </a:prstGeom>
+        </p:spPr>
+      </p:pic>
+    </p:spTree>
+    <p:extLst>
+      <p:ext uri="{BB962C8B-B14F-4D97-AF65-F5344CB8AC3E}">
+        <p14:creationId xmlns:p14="http://schemas.microsoft.com/office/powerpoint/2010/main" val="993107851"/>
       </p:ext>
     </p:extLst>
   </p:cSld>
@@ -12826,7 +15191,7 @@
           <p:cNvPr id="2" name="Title 1">
             <a:extLst>
               <a:ext uri="{FF2B5EF4-FFF2-40B4-BE49-F238E27FC236}">
-                <a16:creationId xmlns:a16="http://schemas.microsoft.com/office/drawing/2014/main" id="{3FB2D56A-EAD6-4601-82D4-6E83D714F744}"/>
+                <a16:creationId xmlns:a16="http://schemas.microsoft.com/office/drawing/2014/main" id="{90AF31D6-5683-4388-876A-BA29B77D889C}"/>
               </a:ext>
             </a:extLst>
           </p:cNvPr>
@@ -12843,19 +15208,446 @@
           <a:lstStyle/>
           <a:p>
             <a:r>
-              <a:rPr lang="en-US"/>
-              <a:t>2) Siêu tham số</a:t>
-            </a:r>
-            <a:endParaRPr lang="en-US" dirty="0"/>
+              <a:rPr lang="en-US" dirty="0"/>
+              <a:t>1) </a:t>
+            </a:r>
+            <a:r>
+              <a:rPr lang="en-US" dirty="0" err="1"/>
+              <a:t>Mô</a:t>
+            </a:r>
+            <a:r>
+              <a:rPr lang="en-US" dirty="0"/>
+              <a:t> </a:t>
+            </a:r>
+            <a:r>
+              <a:rPr lang="en-US" dirty="0" err="1"/>
+              <a:t>hình</a:t>
+            </a:r>
+            <a:r>
+              <a:rPr lang="en-US" dirty="0"/>
+              <a:t> neural network</a:t>
+            </a:r>
+          </a:p>
+        </p:txBody>
+      </p:sp>
+      <p:sp>
+        <p:nvSpPr>
+          <p:cNvPr id="3" name="Content Placeholder 2">
+            <a:extLst>
+              <a:ext uri="{FF2B5EF4-FFF2-40B4-BE49-F238E27FC236}">
+                <a16:creationId xmlns:a16="http://schemas.microsoft.com/office/drawing/2014/main" id="{8350691A-2F45-460C-AF25-96175D293268}"/>
+              </a:ext>
+            </a:extLst>
+          </p:cNvPr>
+          <p:cNvSpPr>
+            <a:spLocks noGrp="1"/>
+          </p:cNvSpPr>
+          <p:nvPr>
+            <p:ph idx="1"/>
+          </p:nvPr>
+        </p:nvSpPr>
+        <p:spPr>
+          <a:xfrm>
+            <a:off x="666750" y="1492250"/>
+            <a:ext cx="10515600" cy="4351338"/>
+          </a:xfrm>
+        </p:spPr>
+        <p:txBody>
+          <a:bodyPr>
+            <a:normAutofit/>
+          </a:bodyPr>
+          <a:lstStyle/>
+          <a:p>
+            <a:pPr marL="0" indent="0">
+              <a:buNone/>
+            </a:pPr>
+            <a:r>
+              <a:rPr lang="en-US" sz="2000" dirty="0" err="1"/>
+              <a:t>Với</a:t>
+            </a:r>
+            <a:r>
+              <a:rPr lang="en-US" sz="2000" dirty="0"/>
+              <a:t> input layer </a:t>
+            </a:r>
+            <a:r>
+              <a:rPr lang="en-US" sz="2000" dirty="0" err="1"/>
+              <a:t>là</a:t>
+            </a:r>
+            <a:r>
+              <a:rPr lang="en-US" sz="2000" dirty="0"/>
+              <a:t> </a:t>
+            </a:r>
+            <a:r>
+              <a:rPr lang="en-US" sz="2000" dirty="0" err="1"/>
+              <a:t>các</a:t>
+            </a:r>
+            <a:r>
+              <a:rPr lang="en-US" sz="2000" dirty="0"/>
+              <a:t> feature </a:t>
+            </a:r>
+            <a:r>
+              <a:rPr lang="en-US" sz="2000" dirty="0" err="1"/>
+              <a:t>của</a:t>
+            </a:r>
+            <a:r>
+              <a:rPr lang="en-US" sz="2000" dirty="0"/>
+              <a:t> </a:t>
+            </a:r>
+            <a:r>
+              <a:rPr lang="en-US" sz="2000" dirty="0" err="1"/>
+              <a:t>dữ</a:t>
+            </a:r>
+            <a:r>
+              <a:rPr lang="en-US" sz="2000" dirty="0"/>
+              <a:t> </a:t>
+            </a:r>
+            <a:r>
+              <a:rPr lang="en-US" sz="2000" dirty="0" err="1"/>
+              <a:t>liệu</a:t>
+            </a:r>
+            <a:r>
+              <a:rPr lang="en-US" sz="2000" dirty="0"/>
+              <a:t> </a:t>
+            </a:r>
+            <a:r>
+              <a:rPr lang="en-US" sz="2000" dirty="0" err="1"/>
+              <a:t>đầu</a:t>
+            </a:r>
+            <a:r>
+              <a:rPr lang="en-US" sz="2000" dirty="0"/>
+              <a:t> </a:t>
+            </a:r>
+            <a:r>
+              <a:rPr lang="en-US" sz="2000" dirty="0" err="1"/>
+              <a:t>vào</a:t>
+            </a:r>
+            <a:r>
+              <a:rPr lang="en-US" sz="2000" dirty="0"/>
+              <a:t> (</a:t>
+            </a:r>
+            <a:r>
+              <a:rPr lang="en-US" sz="2000" dirty="0" err="1"/>
+              <a:t>các</a:t>
+            </a:r>
+            <a:r>
+              <a:rPr lang="en-US" sz="2000" dirty="0"/>
+              <a:t> pixel </a:t>
+            </a:r>
+            <a:r>
+              <a:rPr lang="en-US" sz="2000" dirty="0" err="1"/>
+              <a:t>nếu</a:t>
+            </a:r>
+            <a:r>
+              <a:rPr lang="en-US" sz="2000" dirty="0"/>
+              <a:t> </a:t>
+            </a:r>
+            <a:r>
+              <a:rPr lang="en-US" sz="2000" dirty="0" err="1"/>
+              <a:t>đầu</a:t>
+            </a:r>
+            <a:r>
+              <a:rPr lang="en-US" sz="2000" dirty="0"/>
+              <a:t> </a:t>
+            </a:r>
+            <a:r>
+              <a:rPr lang="en-US" sz="2000" dirty="0" err="1"/>
+              <a:t>vào</a:t>
+            </a:r>
+            <a:r>
+              <a:rPr lang="en-US" sz="2000" dirty="0"/>
+              <a:t> </a:t>
+            </a:r>
+            <a:r>
+              <a:rPr lang="en-US" sz="2000" dirty="0" err="1"/>
+              <a:t>là</a:t>
+            </a:r>
+            <a:r>
+              <a:rPr lang="en-US" sz="2000" dirty="0"/>
+              <a:t> </a:t>
+            </a:r>
+            <a:r>
+              <a:rPr lang="en-US" sz="2000" dirty="0" err="1"/>
+              <a:t>ảnh</a:t>
+            </a:r>
+            <a:r>
+              <a:rPr lang="en-US" sz="2000" dirty="0"/>
+              <a:t>).</a:t>
+            </a:r>
+          </a:p>
+          <a:p>
+            <a:pPr marL="0" indent="0">
+              <a:buNone/>
+            </a:pPr>
+            <a:r>
+              <a:rPr lang="en-US" sz="2000" dirty="0"/>
+              <a:t>Hidden layer: </a:t>
+            </a:r>
+            <a:r>
+              <a:rPr lang="en-US" sz="2000" dirty="0" err="1"/>
+              <a:t>là</a:t>
+            </a:r>
+            <a:r>
+              <a:rPr lang="en-US" sz="2000" dirty="0"/>
+              <a:t> </a:t>
+            </a:r>
+            <a:r>
+              <a:rPr lang="en-US" sz="2000" dirty="0" err="1"/>
+              <a:t>các</a:t>
+            </a:r>
+            <a:r>
+              <a:rPr lang="en-US" sz="2000" dirty="0"/>
+              <a:t> layer do </a:t>
+            </a:r>
+            <a:r>
+              <a:rPr lang="en-US" sz="2000" dirty="0" err="1"/>
+              <a:t>chúng</a:t>
+            </a:r>
+            <a:r>
+              <a:rPr lang="en-US" sz="2000" dirty="0"/>
+              <a:t> ta </a:t>
+            </a:r>
+            <a:r>
+              <a:rPr lang="en-US" sz="2000" dirty="0" err="1"/>
+              <a:t>thêm</a:t>
+            </a:r>
+            <a:r>
+              <a:rPr lang="en-US" sz="2000" dirty="0"/>
+              <a:t> </a:t>
+            </a:r>
+            <a:r>
+              <a:rPr lang="en-US" sz="2000" dirty="0" err="1"/>
+              <a:t>vào</a:t>
+            </a:r>
+            <a:r>
+              <a:rPr lang="en-US" sz="2000" dirty="0"/>
+              <a:t>. </a:t>
+            </a:r>
+            <a:r>
+              <a:rPr lang="en-US" sz="2000" dirty="0" err="1"/>
+              <a:t>Tùy</a:t>
+            </a:r>
+            <a:r>
+              <a:rPr lang="en-US" sz="2000" dirty="0"/>
+              <a:t> </a:t>
+            </a:r>
+            <a:r>
+              <a:rPr lang="en-US" sz="2000" dirty="0" err="1"/>
+              <a:t>vào</a:t>
+            </a:r>
+            <a:r>
+              <a:rPr lang="en-US" sz="2000" dirty="0"/>
+              <a:t> </a:t>
+            </a:r>
+            <a:r>
+              <a:rPr lang="en-US" sz="2000" dirty="0" err="1"/>
+              <a:t>từng</a:t>
+            </a:r>
+            <a:r>
+              <a:rPr lang="en-US" sz="2000" dirty="0"/>
+              <a:t> </a:t>
+            </a:r>
+            <a:r>
+              <a:rPr lang="en-US" sz="2000" dirty="0" err="1"/>
+              <a:t>loại</a:t>
+            </a:r>
+            <a:r>
+              <a:rPr lang="en-US" sz="2000" dirty="0"/>
+              <a:t> </a:t>
+            </a:r>
+            <a:r>
+              <a:rPr lang="en-US" sz="2000" dirty="0" err="1"/>
+              <a:t>dữ</a:t>
+            </a:r>
+            <a:r>
+              <a:rPr lang="en-US" sz="2000" dirty="0"/>
+              <a:t> </a:t>
+            </a:r>
+            <a:r>
+              <a:rPr lang="en-US" sz="2000" dirty="0" err="1"/>
+              <a:t>liệu</a:t>
+            </a:r>
+            <a:r>
+              <a:rPr lang="en-US" sz="2000" dirty="0"/>
+              <a:t>, </a:t>
+            </a:r>
+            <a:r>
+              <a:rPr lang="en-US" sz="2000" dirty="0" err="1"/>
+              <a:t>và</a:t>
+            </a:r>
+            <a:r>
+              <a:rPr lang="en-US" sz="2000" dirty="0"/>
+              <a:t> </a:t>
+            </a:r>
+            <a:r>
+              <a:rPr lang="en-US" sz="2000" dirty="0" err="1"/>
+              <a:t>bài</a:t>
+            </a:r>
+            <a:r>
+              <a:rPr lang="en-US" sz="2000" dirty="0"/>
+              <a:t> </a:t>
+            </a:r>
+            <a:r>
+              <a:rPr lang="en-US" sz="2000" dirty="0" err="1"/>
+              <a:t>toán</a:t>
+            </a:r>
+            <a:r>
+              <a:rPr lang="en-US" sz="2000" dirty="0"/>
+              <a:t> </a:t>
+            </a:r>
+            <a:r>
+              <a:rPr lang="en-US" sz="2000" dirty="0" err="1"/>
+              <a:t>cụ</a:t>
+            </a:r>
+            <a:r>
+              <a:rPr lang="en-US" sz="2000" dirty="0"/>
+              <a:t> </a:t>
+            </a:r>
+            <a:r>
+              <a:rPr lang="en-US" sz="2000" dirty="0" err="1"/>
+              <a:t>thể</a:t>
+            </a:r>
+            <a:r>
+              <a:rPr lang="en-US" sz="2000" dirty="0"/>
+              <a:t> </a:t>
+            </a:r>
+            <a:r>
+              <a:rPr lang="en-US" sz="2000" dirty="0" err="1"/>
+              <a:t>mà</a:t>
+            </a:r>
+            <a:r>
+              <a:rPr lang="en-US" sz="2000" dirty="0"/>
+              <a:t> </a:t>
+            </a:r>
+            <a:r>
+              <a:rPr lang="en-US" sz="2000" dirty="0" err="1"/>
+              <a:t>số</a:t>
+            </a:r>
+            <a:r>
+              <a:rPr lang="en-US" sz="2000" dirty="0"/>
+              <a:t> </a:t>
+            </a:r>
+            <a:r>
+              <a:rPr lang="en-US" sz="2000" dirty="0" err="1"/>
+              <a:t>lượng</a:t>
+            </a:r>
+            <a:r>
+              <a:rPr lang="en-US" sz="2000" dirty="0"/>
+              <a:t> hidden layer </a:t>
+            </a:r>
+            <a:r>
+              <a:rPr lang="en-US" sz="2000" dirty="0" err="1"/>
+              <a:t>sẽ</a:t>
+            </a:r>
+            <a:r>
+              <a:rPr lang="en-US" sz="2000" dirty="0"/>
+              <a:t> </a:t>
+            </a:r>
+            <a:r>
+              <a:rPr lang="en-US" sz="2000" dirty="0" err="1"/>
+              <a:t>khác</a:t>
+            </a:r>
+            <a:r>
+              <a:rPr lang="en-US" sz="2000" dirty="0"/>
+              <a:t> </a:t>
+            </a:r>
+            <a:r>
+              <a:rPr lang="en-US" sz="2000" dirty="0" err="1"/>
+              <a:t>nhau</a:t>
+            </a:r>
+            <a:r>
+              <a:rPr lang="en-US" sz="2000" dirty="0"/>
+              <a:t>.</a:t>
+            </a:r>
+          </a:p>
+          <a:p>
+            <a:pPr marL="0" indent="0">
+              <a:buNone/>
+            </a:pPr>
+            <a:r>
+              <a:rPr lang="en-US" sz="2000" dirty="0"/>
+              <a:t>Output layer: </a:t>
+            </a:r>
+            <a:r>
+              <a:rPr lang="en-US" sz="2000" dirty="0" err="1"/>
+              <a:t>là</a:t>
+            </a:r>
+            <a:r>
+              <a:rPr lang="en-US" sz="2000" dirty="0"/>
+              <a:t> </a:t>
+            </a:r>
+            <a:r>
+              <a:rPr lang="en-US" sz="2000" dirty="0" err="1"/>
+              <a:t>kết</a:t>
+            </a:r>
+            <a:r>
+              <a:rPr lang="en-US" sz="2000" dirty="0"/>
+              <a:t> </a:t>
+            </a:r>
+            <a:r>
+              <a:rPr lang="en-US" sz="2000" dirty="0" err="1"/>
+              <a:t>quả</a:t>
+            </a:r>
+            <a:r>
+              <a:rPr lang="en-US" sz="2000" dirty="0"/>
+              <a:t> </a:t>
+            </a:r>
+            <a:r>
+              <a:rPr lang="en-US" sz="2000" dirty="0" err="1"/>
+              <a:t>đầu</a:t>
+            </a:r>
+            <a:r>
+              <a:rPr lang="en-US" sz="2000" dirty="0"/>
+              <a:t> ra </a:t>
+            </a:r>
+            <a:r>
+              <a:rPr lang="en-US" sz="2000" dirty="0" err="1"/>
+              <a:t>sau</a:t>
+            </a:r>
+            <a:r>
+              <a:rPr lang="en-US" sz="2000" dirty="0"/>
+              <a:t> </a:t>
+            </a:r>
+            <a:r>
+              <a:rPr lang="en-US" sz="2000" dirty="0" err="1"/>
+              <a:t>quá</a:t>
+            </a:r>
+            <a:r>
+              <a:rPr lang="en-US" sz="2000" dirty="0"/>
+              <a:t> </a:t>
+            </a:r>
+            <a:r>
+              <a:rPr lang="en-US" sz="2000" dirty="0" err="1"/>
+              <a:t>trình</a:t>
+            </a:r>
+            <a:r>
+              <a:rPr lang="en-US" sz="2000" dirty="0"/>
+              <a:t> </a:t>
+            </a:r>
+            <a:r>
+              <a:rPr lang="en-US" sz="2000" dirty="0" err="1"/>
+              <a:t>tính</a:t>
+            </a:r>
+            <a:r>
+              <a:rPr lang="en-US" sz="2000" dirty="0"/>
+              <a:t> </a:t>
+            </a:r>
+            <a:r>
+              <a:rPr lang="en-US" sz="2000" dirty="0" err="1"/>
+              <a:t>toán</a:t>
+            </a:r>
+            <a:r>
+              <a:rPr lang="en-US" sz="2000" dirty="0"/>
+              <a:t>.</a:t>
+            </a:r>
           </a:p>
         </p:txBody>
       </p:sp>
       <p:pic>
         <p:nvPicPr>
-          <p:cNvPr id="6" name="Picture 6">
-            <a:extLst>
-              <a:ext uri="{FF2B5EF4-FFF2-40B4-BE49-F238E27FC236}">
-                <a16:creationId xmlns:a16="http://schemas.microsoft.com/office/drawing/2014/main" id="{9102C356-602D-4A8D-9792-45475CD10815}"/>
+          <p:cNvPr id="1026" name="Picture 2" descr="Looking inside neural nets">
+            <a:extLst>
+              <a:ext uri="{FF2B5EF4-FFF2-40B4-BE49-F238E27FC236}">
+                <a16:creationId xmlns:a16="http://schemas.microsoft.com/office/drawing/2014/main" id="{17B46259-E93D-41CC-A4AE-99C0287527BF}"/>
               </a:ext>
             </a:extLst>
           </p:cNvPr>
@@ -12879,8 +15671,8 @@
         </p:blipFill>
         <p:spPr bwMode="auto">
           <a:xfrm>
-            <a:off x="3189749" y="1668413"/>
-            <a:ext cx="5553075" cy="4229100"/>
+            <a:off x="838200" y="3120346"/>
+            <a:ext cx="6038850" cy="3237592"/>
           </a:xfrm>
           <a:prstGeom prst="rect">
             <a:avLst/>
@@ -12897,6 +15689,132 @@
           </a:extLst>
         </p:spPr>
       </p:pic>
+    </p:spTree>
+    <p:extLst>
+      <p:ext uri="{BB962C8B-B14F-4D97-AF65-F5344CB8AC3E}">
+        <p14:creationId xmlns:p14="http://schemas.microsoft.com/office/powerpoint/2010/main" val="1779557510"/>
+      </p:ext>
+    </p:extLst>
+  </p:cSld>
+  <p:clrMapOvr>
+    <a:masterClrMapping/>
+  </p:clrMapOvr>
+</p:sld>
+</file>
+
+<file path=ppt/slides/slide5.xml><?xml version="1.0" encoding="utf-8"?>
+<p:sld xmlns:a="http://schemas.openxmlformats.org/drawingml/2006/main" xmlns:r="http://schemas.openxmlformats.org/officeDocument/2006/relationships" xmlns:p="http://schemas.openxmlformats.org/presentationml/2006/main">
+  <p:cSld>
+    <p:spTree>
+      <p:nvGrpSpPr>
+        <p:cNvPr id="1" name=""/>
+        <p:cNvGrpSpPr/>
+        <p:nvPr/>
+      </p:nvGrpSpPr>
+      <p:grpSpPr>
+        <a:xfrm>
+          <a:off x="0" y="0"/>
+          <a:ext cx="0" cy="0"/>
+          <a:chOff x="0" y="0"/>
+          <a:chExt cx="0" cy="0"/>
+        </a:xfrm>
+      </p:grpSpPr>
+      <p:sp>
+        <p:nvSpPr>
+          <p:cNvPr id="2" name="Title 1">
+            <a:extLst>
+              <a:ext uri="{FF2B5EF4-FFF2-40B4-BE49-F238E27FC236}">
+                <a16:creationId xmlns:a16="http://schemas.microsoft.com/office/drawing/2014/main" id="{3FB2D56A-EAD6-4601-82D4-6E83D714F744}"/>
+              </a:ext>
+            </a:extLst>
+          </p:cNvPr>
+          <p:cNvSpPr>
+            <a:spLocks noGrp="1"/>
+          </p:cNvSpPr>
+          <p:nvPr>
+            <p:ph type="title"/>
+          </p:nvPr>
+        </p:nvSpPr>
+        <p:spPr/>
+        <p:txBody>
+          <a:bodyPr/>
+          <a:lstStyle/>
+          <a:p>
+            <a:r>
+              <a:rPr lang="en-US" dirty="0"/>
+              <a:t>2) </a:t>
+            </a:r>
+            <a:r>
+              <a:rPr lang="en-US" dirty="0" err="1"/>
+              <a:t>Siêu</a:t>
+            </a:r>
+            <a:r>
+              <a:rPr lang="en-US" dirty="0"/>
+              <a:t> </a:t>
+            </a:r>
+            <a:r>
+              <a:rPr lang="en-US" dirty="0" err="1"/>
+              <a:t>tham</a:t>
+            </a:r>
+            <a:r>
+              <a:rPr lang="en-US" dirty="0"/>
+              <a:t> </a:t>
+            </a:r>
+            <a:r>
+              <a:rPr lang="en-US" dirty="0" err="1"/>
+              <a:t>số</a:t>
+            </a:r>
+            <a:endParaRPr lang="en-US" dirty="0"/>
+          </a:p>
+        </p:txBody>
+      </p:sp>
+      <p:pic>
+        <p:nvPicPr>
+          <p:cNvPr id="6" name="Picture 6">
+            <a:extLst>
+              <a:ext uri="{FF2B5EF4-FFF2-40B4-BE49-F238E27FC236}">
+                <a16:creationId xmlns:a16="http://schemas.microsoft.com/office/drawing/2014/main" id="{9102C356-602D-4A8D-9792-45475CD10815}"/>
+              </a:ext>
+            </a:extLst>
+          </p:cNvPr>
+          <p:cNvPicPr>
+            <a:picLocks noChangeAspect="1" noChangeArrowheads="1"/>
+          </p:cNvPicPr>
+          <p:nvPr/>
+        </p:nvPicPr>
+        <p:blipFill>
+          <a:blip r:embed="rId2">
+            <a:extLst>
+              <a:ext uri="{28A0092B-C50C-407E-A947-70E740481C1C}">
+                <a14:useLocalDpi xmlns:a14="http://schemas.microsoft.com/office/drawing/2010/main" val="0"/>
+              </a:ext>
+            </a:extLst>
+          </a:blip>
+          <a:srcRect/>
+          <a:stretch>
+            <a:fillRect/>
+          </a:stretch>
+        </p:blipFill>
+        <p:spPr bwMode="auto">
+          <a:xfrm>
+            <a:off x="1028440" y="1690688"/>
+            <a:ext cx="5553075" cy="4229100"/>
+          </a:xfrm>
+          <a:prstGeom prst="rect">
+            <a:avLst/>
+          </a:prstGeom>
+          <a:noFill/>
+          <a:extLst>
+            <a:ext uri="{909E8E84-426E-40DD-AFC4-6F175D3DCCD1}">
+              <a14:hiddenFill xmlns:a14="http://schemas.microsoft.com/office/drawing/2010/main">
+                <a:solidFill>
+                  <a:srgbClr val="FFFFFF"/>
+                </a:solidFill>
+              </a14:hiddenFill>
+            </a:ext>
+          </a:extLst>
+        </p:spPr>
+      </p:pic>
       <p:sp>
         <p:nvSpPr>
           <p:cNvPr id="8" name="Rectangle 7">
@@ -12911,7 +15829,7 @@
         </p:nvSpPr>
         <p:spPr>
           <a:xfrm>
-            <a:off x="4236720" y="1388962"/>
+            <a:off x="2075411" y="1411237"/>
             <a:ext cx="1456944" cy="4229100"/>
           </a:xfrm>
           <a:prstGeom prst="rect">
@@ -12965,7 +15883,7 @@
         </p:nvSpPr>
         <p:spPr>
           <a:xfrm>
-            <a:off x="4645152" y="1531660"/>
+            <a:off x="2483843" y="1553935"/>
             <a:ext cx="656052" cy="685760"/>
           </a:xfrm>
           <a:prstGeom prst="rect">
@@ -13019,7 +15937,7 @@
         </p:nvSpPr>
         <p:spPr>
           <a:xfrm>
-            <a:off x="7424857" y="2663776"/>
+            <a:off x="5263548" y="2686051"/>
             <a:ext cx="814903" cy="660400"/>
           </a:xfrm>
           <a:prstGeom prst="rect">
@@ -13056,6 +15974,145 @@
           <a:p>
             <a:pPr algn="ctr"/>
             <a:endParaRPr lang="en-US"/>
+          </a:p>
+        </p:txBody>
+      </p:sp>
+      <p:sp>
+        <p:nvSpPr>
+          <p:cNvPr id="3" name="TextBox 2">
+            <a:extLst>
+              <a:ext uri="{FF2B5EF4-FFF2-40B4-BE49-F238E27FC236}">
+                <a16:creationId xmlns:a16="http://schemas.microsoft.com/office/drawing/2014/main" id="{79511D0F-4A5C-4110-99B6-73D79B37E532}"/>
+              </a:ext>
+            </a:extLst>
+          </p:cNvPr>
+          <p:cNvSpPr txBox="1"/>
+          <p:nvPr/>
+        </p:nvSpPr>
+        <p:spPr>
+          <a:xfrm>
+            <a:off x="7084291" y="2690336"/>
+            <a:ext cx="3685309" cy="923330"/>
+          </a:xfrm>
+          <a:prstGeom prst="rect">
+            <a:avLst/>
+          </a:prstGeom>
+          <a:noFill/>
+        </p:spPr>
+        <p:txBody>
+          <a:bodyPr wrap="square" rtlCol="0">
+            <a:spAutoFit/>
+          </a:bodyPr>
+          <a:lstStyle/>
+          <a:p>
+            <a:r>
+              <a:rPr lang="en-US" dirty="0"/>
+              <a:t>Ta </a:t>
+            </a:r>
+            <a:r>
+              <a:rPr lang="en-US" dirty="0" err="1"/>
+              <a:t>có</a:t>
+            </a:r>
+            <a:r>
+              <a:rPr lang="en-US" dirty="0"/>
+              <a:t> </a:t>
+            </a:r>
+            <a:r>
+              <a:rPr lang="en-US" dirty="0" err="1"/>
+              <a:t>thể</a:t>
+            </a:r>
+            <a:r>
+              <a:rPr lang="en-US" dirty="0"/>
+              <a:t> </a:t>
+            </a:r>
+            <a:r>
+              <a:rPr lang="en-US" dirty="0" err="1"/>
+              <a:t>thay</a:t>
+            </a:r>
+            <a:r>
+              <a:rPr lang="en-US" dirty="0"/>
+              <a:t> </a:t>
+            </a:r>
+            <a:r>
+              <a:rPr lang="en-US" dirty="0" err="1"/>
+              <a:t>đổi</a:t>
+            </a:r>
+            <a:r>
+              <a:rPr lang="en-US" dirty="0"/>
+              <a:t> </a:t>
+            </a:r>
+            <a:r>
+              <a:rPr lang="en-US" dirty="0" err="1"/>
+              <a:t>các</a:t>
+            </a:r>
+            <a:r>
+              <a:rPr lang="en-US" dirty="0"/>
+              <a:t> node </a:t>
+            </a:r>
+            <a:r>
+              <a:rPr lang="en-US" dirty="0" err="1"/>
+              <a:t>trong</a:t>
+            </a:r>
+            <a:r>
+              <a:rPr lang="en-US" dirty="0"/>
+              <a:t> </a:t>
+            </a:r>
+            <a:r>
+              <a:rPr lang="en-US" dirty="0" err="1"/>
+              <a:t>các</a:t>
+            </a:r>
+            <a:r>
+              <a:rPr lang="en-US" dirty="0"/>
+              <a:t> hidden layer, </a:t>
+            </a:r>
+            <a:r>
+              <a:rPr lang="en-US" dirty="0" err="1"/>
+              <a:t>số</a:t>
+            </a:r>
+            <a:r>
+              <a:rPr lang="en-US" dirty="0"/>
+              <a:t> </a:t>
+            </a:r>
+            <a:r>
+              <a:rPr lang="en-US" dirty="0" err="1"/>
+              <a:t>lượng</a:t>
+            </a:r>
+            <a:r>
+              <a:rPr lang="en-US" dirty="0"/>
+              <a:t> hidden layer </a:t>
+            </a:r>
+            <a:r>
+              <a:rPr lang="en-US" dirty="0" err="1"/>
+              <a:t>và</a:t>
+            </a:r>
+            <a:r>
+              <a:rPr lang="en-US" dirty="0"/>
+              <a:t> </a:t>
+            </a:r>
+            <a:r>
+              <a:rPr lang="en-US" dirty="0" err="1"/>
+              <a:t>số</a:t>
+            </a:r>
+            <a:r>
+              <a:rPr lang="en-US" dirty="0"/>
+              <a:t> </a:t>
+            </a:r>
+            <a:r>
+              <a:rPr lang="en-US" dirty="0" err="1"/>
+              <a:t>lượng</a:t>
+            </a:r>
+            <a:r>
+              <a:rPr lang="en-US" dirty="0"/>
+              <a:t> node </a:t>
+            </a:r>
+            <a:r>
+              <a:rPr lang="en-US" dirty="0" err="1"/>
+              <a:t>của</a:t>
+            </a:r>
+            <a:r>
+              <a:rPr lang="en-US" dirty="0"/>
+              <a:t> output layer</a:t>
+            </a:r>
           </a:p>
         </p:txBody>
       </p:sp>
@@ -13239,7 +16296,7 @@
 </p:sld>
 </file>
 
-<file path=ppt/slides/slide5.xml><?xml version="1.0" encoding="utf-8"?>
+<file path=ppt/slides/slide6.xml><?xml version="1.0" encoding="utf-8"?>
 <p:sld xmlns:a="http://schemas.openxmlformats.org/drawingml/2006/main" xmlns:r="http://schemas.openxmlformats.org/officeDocument/2006/relationships" xmlns:p="http://schemas.openxmlformats.org/presentationml/2006/main">
   <p:cSld>
     <p:spTree>
@@ -13318,6 +16375,9 @@
           <a:bodyPr/>
           <a:lstStyle/>
           <a:p>
+            <a:pPr marL="0" indent="0">
+              <a:buNone/>
+            </a:pPr>
             <a:r>
               <a:rPr lang="en-US" dirty="0" err="1"/>
               <a:t>Là</a:t>
@@ -13518,7 +16578,7 @@
 </p:sld>
 </file>
 
-<file path=ppt/slides/slide6.xml><?xml version="1.0" encoding="utf-8"?>
+<file path=ppt/slides/slide7.xml><?xml version="1.0" encoding="utf-8"?>
 <p:sld xmlns:a="http://schemas.openxmlformats.org/drawingml/2006/main" xmlns:r="http://schemas.openxmlformats.org/officeDocument/2006/relationships" xmlns:p="http://schemas.openxmlformats.org/presentationml/2006/main">
   <p:cSld>
     <p:spTree>
@@ -14247,7 +17307,7 @@
 </p:sld>
 </file>
 
-<file path=ppt/slides/slide7.xml><?xml version="1.0" encoding="utf-8"?>
+<file path=ppt/slides/slide8.xml><?xml version="1.0" encoding="utf-8"?>
 <p:sld xmlns:a="http://schemas.openxmlformats.org/drawingml/2006/main" xmlns:r="http://schemas.openxmlformats.org/officeDocument/2006/relationships" xmlns:p="http://schemas.openxmlformats.org/presentationml/2006/main">
   <p:cSld>
     <p:spTree>
@@ -14430,6 +17490,93 @@
           <a:p>
             <a:pPr algn="ctr"/>
             <a:endParaRPr lang="en-US" dirty="0"/>
+          </a:p>
+        </p:txBody>
+      </p:sp>
+      <p:pic>
+        <p:nvPicPr>
+          <p:cNvPr id="7" name="Picture 2">
+            <a:extLst>
+              <a:ext uri="{FF2B5EF4-FFF2-40B4-BE49-F238E27FC236}">
+                <a16:creationId xmlns:a16="http://schemas.microsoft.com/office/drawing/2014/main" id="{081044F8-E83A-4425-BA85-9A8CDB88D031}"/>
+              </a:ext>
+            </a:extLst>
+          </p:cNvPr>
+          <p:cNvPicPr>
+            <a:picLocks noChangeAspect="1" noChangeArrowheads="1"/>
+          </p:cNvPicPr>
+          <p:nvPr/>
+        </p:nvPicPr>
+        <p:blipFill rotWithShape="1">
+          <a:blip r:embed="rId3">
+            <a:extLst>
+              <a:ext uri="{28A0092B-C50C-407E-A947-70E740481C1C}">
+                <a14:useLocalDpi xmlns:a14="http://schemas.microsoft.com/office/drawing/2010/main" val="0"/>
+              </a:ext>
+            </a:extLst>
+          </a:blip>
+          <a:srcRect l="36928" r="40824"/>
+          <a:stretch/>
+        </p:blipFill>
+        <p:spPr bwMode="auto">
+          <a:xfrm>
+            <a:off x="5004382" y="4639259"/>
+            <a:ext cx="2183236" cy="940706"/>
+          </a:xfrm>
+          <a:prstGeom prst="rect">
+            <a:avLst/>
+          </a:prstGeom>
+          <a:noFill/>
+          <a:extLst>
+            <a:ext uri="{909E8E84-426E-40DD-AFC4-6F175D3DCCD1}">
+              <a14:hiddenFill xmlns:a14="http://schemas.microsoft.com/office/drawing/2010/main">
+                <a:solidFill>
+                  <a:srgbClr val="FFFFFF"/>
+                </a:solidFill>
+              </a14:hiddenFill>
+            </a:ext>
+          </a:extLst>
+        </p:spPr>
+      </p:pic>
+      <p:sp>
+        <p:nvSpPr>
+          <p:cNvPr id="8" name="TextBox 7">
+            <a:extLst>
+              <a:ext uri="{FF2B5EF4-FFF2-40B4-BE49-F238E27FC236}">
+                <a16:creationId xmlns:a16="http://schemas.microsoft.com/office/drawing/2014/main" id="{29E74EA6-FA05-437C-81A6-8163883A2A87}"/>
+              </a:ext>
+            </a:extLst>
+          </p:cNvPr>
+          <p:cNvSpPr txBox="1"/>
+          <p:nvPr/>
+        </p:nvSpPr>
+        <p:spPr>
+          <a:xfrm>
+            <a:off x="3473611" y="4911370"/>
+            <a:ext cx="1624163" cy="523220"/>
+          </a:xfrm>
+          <a:prstGeom prst="rect">
+            <a:avLst/>
+          </a:prstGeom>
+          <a:noFill/>
+        </p:spPr>
+        <p:txBody>
+          <a:bodyPr wrap="none" rtlCol="0">
+            <a:spAutoFit/>
+          </a:bodyPr>
+          <a:lstStyle/>
+          <a:p>
+            <a:r>
+              <a:rPr lang="en-US" sz="2800" b="0" i="0" dirty="0">
+                <a:solidFill>
+                  <a:srgbClr val="1B1B1B"/>
+                </a:solidFill>
+                <a:effectLst/>
+                <a:latin typeface="Open Sans" panose="020B0604020202020204" pitchFamily="34" charset="0"/>
+              </a:rPr>
+              <a:t>Sigmoid </a:t>
+            </a:r>
+            <a:endParaRPr lang="en-US" sz="2800" dirty="0"/>
           </a:p>
         </p:txBody>
       </p:sp>
@@ -14568,6 +17715,78 @@
                       </p:childTnLst>
                     </p:cTn>
                   </p:par>
+                  <p:par>
+                    <p:cTn id="13" fill="hold">
+                      <p:stCondLst>
+                        <p:cond delay="indefinite"/>
+                      </p:stCondLst>
+                      <p:childTnLst>
+                        <p:par>
+                          <p:cTn id="14" fill="hold">
+                            <p:stCondLst>
+                              <p:cond delay="0"/>
+                            </p:stCondLst>
+                            <p:childTnLst>
+                              <p:par>
+                                <p:cTn id="15" presetID="1" presetClass="entr" presetSubtype="0" fill="hold" nodeType="clickEffect">
+                                  <p:stCondLst>
+                                    <p:cond delay="0"/>
+                                  </p:stCondLst>
+                                  <p:childTnLst>
+                                    <p:set>
+                                      <p:cBhvr>
+                                        <p:cTn id="16" dur="1" fill="hold">
+                                          <p:stCondLst>
+                                            <p:cond delay="0"/>
+                                          </p:stCondLst>
+                                        </p:cTn>
+                                        <p:tgtEl>
+                                          <p:spTgt spid="7"/>
+                                        </p:tgtEl>
+                                        <p:attrNameLst>
+                                          <p:attrName>style.visibility</p:attrName>
+                                        </p:attrNameLst>
+                                      </p:cBhvr>
+                                      <p:to>
+                                        <p:strVal val="visible"/>
+                                      </p:to>
+                                    </p:set>
+                                  </p:childTnLst>
+                                </p:cTn>
+                              </p:par>
+                              <p:par>
+                                <p:cTn id="17" presetID="1" presetClass="entr" presetSubtype="0" fill="hold" grpId="0" nodeType="withEffect">
+                                  <p:stCondLst>
+                                    <p:cond delay="0"/>
+                                  </p:stCondLst>
+                                  <p:childTnLst>
+                                    <p:set>
+                                      <p:cBhvr>
+                                        <p:cTn id="18" dur="1" fill="hold">
+                                          <p:stCondLst>
+                                            <p:cond delay="0"/>
+                                          </p:stCondLst>
+                                        </p:cTn>
+                                        <p:tgtEl>
+                                          <p:spTgt spid="8"/>
+                                        </p:tgtEl>
+                                        <p:attrNameLst>
+                                          <p:attrName>style.visibility</p:attrName>
+                                        </p:attrNameLst>
+                                      </p:cBhvr>
+                                      <p:to>
+                                        <p:strVal val="visible"/>
+                                      </p:to>
+                                    </p:set>
+                                  </p:childTnLst>
+                                </p:cTn>
+                              </p:par>
+                            </p:childTnLst>
+                          </p:cTn>
+                        </p:par>
+                      </p:childTnLst>
+                    </p:cTn>
+                  </p:par>
                 </p:childTnLst>
               </p:cTn>
               <p:prevCondLst>
@@ -14593,125 +17812,9 @@
       <p:bldP spid="18" grpId="0" animBg="1"/>
       <p:bldP spid="18" grpId="1" animBg="1"/>
       <p:bldP spid="19" grpId="0" animBg="1"/>
+      <p:bldP spid="8" grpId="0"/>
     </p:bldLst>
   </p:timing>
-</p:sld>
-</file>
-
-<file path=ppt/slides/slide8.xml><?xml version="1.0" encoding="utf-8"?>
-<p:sld xmlns:a="http://schemas.openxmlformats.org/drawingml/2006/main" xmlns:r="http://schemas.openxmlformats.org/officeDocument/2006/relationships" xmlns:p="http://schemas.openxmlformats.org/presentationml/2006/main">
-  <p:cSld>
-    <p:spTree>
-      <p:nvGrpSpPr>
-        <p:cNvPr id="1" name=""/>
-        <p:cNvGrpSpPr/>
-        <p:nvPr/>
-      </p:nvGrpSpPr>
-      <p:grpSpPr>
-        <a:xfrm>
-          <a:off x="0" y="0"/>
-          <a:ext cx="0" cy="0"/>
-          <a:chOff x="0" y="0"/>
-          <a:chExt cx="0" cy="0"/>
-        </a:xfrm>
-      </p:grpSpPr>
-      <p:pic>
-        <p:nvPicPr>
-          <p:cNvPr id="4" name="Picture 2">
-            <a:extLst>
-              <a:ext uri="{FF2B5EF4-FFF2-40B4-BE49-F238E27FC236}">
-                <a16:creationId xmlns:a16="http://schemas.microsoft.com/office/drawing/2014/main" id="{4F7049A0-15FA-4000-A130-A8A6B429FFC8}"/>
-              </a:ext>
-            </a:extLst>
-          </p:cNvPr>
-          <p:cNvPicPr>
-            <a:picLocks noChangeAspect="1" noChangeArrowheads="1"/>
-          </p:cNvPicPr>
-          <p:nvPr/>
-        </p:nvPicPr>
-        <p:blipFill rotWithShape="1">
-          <a:blip r:embed="rId2">
-            <a:extLst>
-              <a:ext uri="{28A0092B-C50C-407E-A947-70E740481C1C}">
-                <a14:useLocalDpi xmlns:a14="http://schemas.microsoft.com/office/drawing/2010/main" val="0"/>
-              </a:ext>
-            </a:extLst>
-          </a:blip>
-          <a:srcRect l="36928" r="40824"/>
-          <a:stretch/>
-        </p:blipFill>
-        <p:spPr bwMode="auto">
-          <a:xfrm>
-            <a:off x="5375805" y="2750908"/>
-            <a:ext cx="2183236" cy="940706"/>
-          </a:xfrm>
-          <a:prstGeom prst="rect">
-            <a:avLst/>
-          </a:prstGeom>
-          <a:noFill/>
-          <a:extLst>
-            <a:ext uri="{909E8E84-426E-40DD-AFC4-6F175D3DCCD1}">
-              <a14:hiddenFill xmlns:a14="http://schemas.microsoft.com/office/drawing/2010/main">
-                <a:solidFill>
-                  <a:srgbClr val="FFFFFF"/>
-                </a:solidFill>
-              </a14:hiddenFill>
-            </a:ext>
-          </a:extLst>
-        </p:spPr>
-      </p:pic>
-      <p:sp>
-        <p:nvSpPr>
-          <p:cNvPr id="5" name="TextBox 4">
-            <a:extLst>
-              <a:ext uri="{FF2B5EF4-FFF2-40B4-BE49-F238E27FC236}">
-                <a16:creationId xmlns:a16="http://schemas.microsoft.com/office/drawing/2014/main" id="{037B6EFA-E195-4379-B687-318128E29F89}"/>
-              </a:ext>
-            </a:extLst>
-          </p:cNvPr>
-          <p:cNvSpPr txBox="1"/>
-          <p:nvPr/>
-        </p:nvSpPr>
-        <p:spPr>
-          <a:xfrm>
-            <a:off x="3845034" y="3023019"/>
-            <a:ext cx="1624163" cy="523220"/>
-          </a:xfrm>
-          <a:prstGeom prst="rect">
-            <a:avLst/>
-          </a:prstGeom>
-          <a:noFill/>
-        </p:spPr>
-        <p:txBody>
-          <a:bodyPr wrap="none" rtlCol="0">
-            <a:spAutoFit/>
-          </a:bodyPr>
-          <a:lstStyle/>
-          <a:p>
-            <a:r>
-              <a:rPr lang="en-US" sz="2800" b="0" i="0" dirty="0">
-                <a:solidFill>
-                  <a:srgbClr val="1B1B1B"/>
-                </a:solidFill>
-                <a:effectLst/>
-                <a:latin typeface="Open Sans" panose="020B0604020202020204" pitchFamily="34" charset="0"/>
-              </a:rPr>
-              <a:t>Sigmoid </a:t>
-            </a:r>
-            <a:endParaRPr lang="en-US" sz="2800" dirty="0"/>
-          </a:p>
-        </p:txBody>
-      </p:sp>
-    </p:spTree>
-    <p:extLst>
-      <p:ext uri="{BB962C8B-B14F-4D97-AF65-F5344CB8AC3E}">
-        <p14:creationId xmlns:p14="http://schemas.microsoft.com/office/powerpoint/2010/main" val="3907993246"/>
-      </p:ext>
-    </p:extLst>
-  </p:cSld>
-  <p:clrMapOvr>
-    <a:masterClrMapping/>
-  </p:clrMapOvr>
 </p:sld>
 </file>
 
